--- a/out/figs/schematics/f3.pptx
+++ b/out/figs/schematics/f3.pptx
@@ -197,7 +197,7 @@
           <a:p>
             <a:fld id="{9387B9C1-780F-0F4D-9309-6A1F191FB4D6}" type="datetimeFigureOut">
               <a:rPr lang="en-US" smtClean="0"/>
-              <a:t>3/9/25</a:t>
+              <a:t>6/13/25</a:t>
             </a:fld>
             <a:endParaRPr lang="en-US"/>
           </a:p>
@@ -679,7 +679,7 @@
           <a:p>
             <a:fld id="{3E9B1C6E-AEC8-8A44-B5D2-A7EC138C23E8}" type="datetimeFigureOut">
               <a:rPr lang="en-US" smtClean="0"/>
-              <a:t>3/9/25</a:t>
+              <a:t>6/13/25</a:t>
             </a:fld>
             <a:endParaRPr lang="en-US"/>
           </a:p>
@@ -849,7 +849,7 @@
           <a:p>
             <a:fld id="{3E9B1C6E-AEC8-8A44-B5D2-A7EC138C23E8}" type="datetimeFigureOut">
               <a:rPr lang="en-US" smtClean="0"/>
-              <a:t>3/9/25</a:t>
+              <a:t>6/13/25</a:t>
             </a:fld>
             <a:endParaRPr lang="en-US"/>
           </a:p>
@@ -1029,7 +1029,7 @@
           <a:p>
             <a:fld id="{3E9B1C6E-AEC8-8A44-B5D2-A7EC138C23E8}" type="datetimeFigureOut">
               <a:rPr lang="en-US" smtClean="0"/>
-              <a:t>3/9/25</a:t>
+              <a:t>6/13/25</a:t>
             </a:fld>
             <a:endParaRPr lang="en-US"/>
           </a:p>
@@ -1199,7 +1199,7 @@
           <a:p>
             <a:fld id="{3E9B1C6E-AEC8-8A44-B5D2-A7EC138C23E8}" type="datetimeFigureOut">
               <a:rPr lang="en-US" smtClean="0"/>
-              <a:t>3/9/25</a:t>
+              <a:t>6/13/25</a:t>
             </a:fld>
             <a:endParaRPr lang="en-US"/>
           </a:p>
@@ -1443,7 +1443,7 @@
           <a:p>
             <a:fld id="{3E9B1C6E-AEC8-8A44-B5D2-A7EC138C23E8}" type="datetimeFigureOut">
               <a:rPr lang="en-US" smtClean="0"/>
-              <a:t>3/9/25</a:t>
+              <a:t>6/13/25</a:t>
             </a:fld>
             <a:endParaRPr lang="en-US"/>
           </a:p>
@@ -1675,7 +1675,7 @@
           <a:p>
             <a:fld id="{3E9B1C6E-AEC8-8A44-B5D2-A7EC138C23E8}" type="datetimeFigureOut">
               <a:rPr lang="en-US" smtClean="0"/>
-              <a:t>3/9/25</a:t>
+              <a:t>6/13/25</a:t>
             </a:fld>
             <a:endParaRPr lang="en-US"/>
           </a:p>
@@ -2042,7 +2042,7 @@
           <a:p>
             <a:fld id="{3E9B1C6E-AEC8-8A44-B5D2-A7EC138C23E8}" type="datetimeFigureOut">
               <a:rPr lang="en-US" smtClean="0"/>
-              <a:t>3/9/25</a:t>
+              <a:t>6/13/25</a:t>
             </a:fld>
             <a:endParaRPr lang="en-US"/>
           </a:p>
@@ -2160,7 +2160,7 @@
           <a:p>
             <a:fld id="{3E9B1C6E-AEC8-8A44-B5D2-A7EC138C23E8}" type="datetimeFigureOut">
               <a:rPr lang="en-US" smtClean="0"/>
-              <a:t>3/9/25</a:t>
+              <a:t>6/13/25</a:t>
             </a:fld>
             <a:endParaRPr lang="en-US"/>
           </a:p>
@@ -2255,7 +2255,7 @@
           <a:p>
             <a:fld id="{3E9B1C6E-AEC8-8A44-B5D2-A7EC138C23E8}" type="datetimeFigureOut">
               <a:rPr lang="en-US" smtClean="0"/>
-              <a:t>3/9/25</a:t>
+              <a:t>6/13/25</a:t>
             </a:fld>
             <a:endParaRPr lang="en-US"/>
           </a:p>
@@ -2532,7 +2532,7 @@
           <a:p>
             <a:fld id="{3E9B1C6E-AEC8-8A44-B5D2-A7EC138C23E8}" type="datetimeFigureOut">
               <a:rPr lang="en-US" smtClean="0"/>
-              <a:t>3/9/25</a:t>
+              <a:t>6/13/25</a:t>
             </a:fld>
             <a:endParaRPr lang="en-US"/>
           </a:p>
@@ -2789,7 +2789,7 @@
           <a:p>
             <a:fld id="{3E9B1C6E-AEC8-8A44-B5D2-A7EC138C23E8}" type="datetimeFigureOut">
               <a:rPr lang="en-US" smtClean="0"/>
-              <a:t>3/9/25</a:t>
+              <a:t>6/13/25</a:t>
             </a:fld>
             <a:endParaRPr lang="en-US"/>
           </a:p>
@@ -3002,7 +3002,7 @@
           <a:p>
             <a:fld id="{3E9B1C6E-AEC8-8A44-B5D2-A7EC138C23E8}" type="datetimeFigureOut">
               <a:rPr lang="en-US" smtClean="0"/>
-              <a:t>3/9/25</a:t>
+              <a:t>6/13/25</a:t>
             </a:fld>
             <a:endParaRPr lang="en-US"/>
           </a:p>
@@ -3407,6 +3407,189 @@
           <a:chExt cx="0" cy="0"/>
         </a:xfrm>
       </p:grpSpPr>
+      <p:sp>
+        <p:nvSpPr>
+          <p:cNvPr id="5" name="Rounded Rectangle 4">
+            <a:extLst>
+              <a:ext uri="{FF2B5EF4-FFF2-40B4-BE49-F238E27FC236}">
+                <a16:creationId xmlns:a16="http://schemas.microsoft.com/office/drawing/2014/main" id="{C244BF09-42A2-BFA9-06DE-07A945CC4722}"/>
+              </a:ext>
+            </a:extLst>
+          </p:cNvPr>
+          <p:cNvSpPr/>
+          <p:nvPr/>
+        </p:nvSpPr>
+        <p:spPr>
+          <a:xfrm>
+            <a:off x="520199" y="442916"/>
+            <a:ext cx="5381819" cy="8068207"/>
+          </a:xfrm>
+          <a:prstGeom prst="roundRect">
+            <a:avLst>
+              <a:gd name="adj" fmla="val 5517"/>
+            </a:avLst>
+          </a:prstGeom>
+          <a:gradFill flip="none" rotWithShape="1">
+            <a:gsLst>
+              <a:gs pos="98000">
+                <a:schemeClr val="bg1">
+                  <a:alpha val="0"/>
+                </a:schemeClr>
+              </a:gs>
+              <a:gs pos="100000">
+                <a:schemeClr val="bg1">
+                  <a:lumMod val="85000"/>
+                </a:schemeClr>
+              </a:gs>
+            </a:gsLst>
+            <a:path path="shape">
+              <a:fillToRect l="50000" t="50000" r="50000" b="50000"/>
+            </a:path>
+            <a:tileRect/>
+          </a:gradFill>
+          <a:ln>
+            <a:noFill/>
+          </a:ln>
+        </p:spPr>
+        <p:style>
+          <a:lnRef idx="2">
+            <a:schemeClr val="accent1">
+              <a:shade val="15000"/>
+            </a:schemeClr>
+          </a:lnRef>
+          <a:fillRef idx="1">
+            <a:schemeClr val="accent1"/>
+          </a:fillRef>
+          <a:effectRef idx="0">
+            <a:schemeClr val="accent1"/>
+          </a:effectRef>
+          <a:fontRef idx="minor">
+            <a:schemeClr val="lt1"/>
+          </a:fontRef>
+        </p:style>
+        <p:txBody>
+          <a:bodyPr rtlCol="0" anchor="ctr"/>
+          <a:lstStyle/>
+          <a:p>
+            <a:pPr algn="ctr"/>
+            <a:r>
+              <a:rPr lang="en-US" dirty="0" err="1"/>
+              <a:t>å</a:t>
+            </a:r>
+            <a:endParaRPr lang="en-US" dirty="0"/>
+          </a:p>
+        </p:txBody>
+      </p:sp>
+      <p:sp>
+        <p:nvSpPr>
+          <p:cNvPr id="27" name="Rounded Rectangle 26">
+            <a:extLst>
+              <a:ext uri="{FF2B5EF4-FFF2-40B4-BE49-F238E27FC236}">
+                <a16:creationId xmlns:a16="http://schemas.microsoft.com/office/drawing/2014/main" id="{E70E9351-8485-714F-96C8-C0E1B80F3C29}"/>
+              </a:ext>
+            </a:extLst>
+          </p:cNvPr>
+          <p:cNvSpPr/>
+          <p:nvPr/>
+        </p:nvSpPr>
+        <p:spPr>
+          <a:xfrm>
+            <a:off x="6005999" y="442915"/>
+            <a:ext cx="5381819" cy="8068207"/>
+          </a:xfrm>
+          <a:prstGeom prst="roundRect">
+            <a:avLst>
+              <a:gd name="adj" fmla="val 5517"/>
+            </a:avLst>
+          </a:prstGeom>
+          <a:gradFill flip="none" rotWithShape="1">
+            <a:gsLst>
+              <a:gs pos="98000">
+                <a:schemeClr val="bg1"/>
+              </a:gs>
+              <a:gs pos="100000">
+                <a:schemeClr val="bg1">
+                  <a:lumMod val="85000"/>
+                </a:schemeClr>
+              </a:gs>
+            </a:gsLst>
+            <a:path path="shape">
+              <a:fillToRect l="50000" t="50000" r="50000" b="50000"/>
+            </a:path>
+            <a:tileRect/>
+          </a:gradFill>
+          <a:ln>
+            <a:noFill/>
+          </a:ln>
+        </p:spPr>
+        <p:style>
+          <a:lnRef idx="2">
+            <a:schemeClr val="accent1">
+              <a:shade val="15000"/>
+            </a:schemeClr>
+          </a:lnRef>
+          <a:fillRef idx="1">
+            <a:schemeClr val="accent1"/>
+          </a:fillRef>
+          <a:effectRef idx="0">
+            <a:schemeClr val="accent1"/>
+          </a:effectRef>
+          <a:fontRef idx="minor">
+            <a:schemeClr val="lt1"/>
+          </a:fontRef>
+        </p:style>
+        <p:txBody>
+          <a:bodyPr rtlCol="0" anchor="ctr"/>
+          <a:lstStyle/>
+          <a:p>
+            <a:pPr algn="ctr"/>
+            <a:endParaRPr lang="en-US"/>
+          </a:p>
+        </p:txBody>
+      </p:sp>
+      <p:sp>
+        <p:nvSpPr>
+          <p:cNvPr id="36" name="TextBox 35">
+            <a:extLst>
+              <a:ext uri="{FF2B5EF4-FFF2-40B4-BE49-F238E27FC236}">
+                <a16:creationId xmlns:a16="http://schemas.microsoft.com/office/drawing/2014/main" id="{07E330CB-9FB1-57FC-78B2-8207F87B1948}"/>
+              </a:ext>
+            </a:extLst>
+          </p:cNvPr>
+          <p:cNvSpPr txBox="1"/>
+          <p:nvPr/>
+        </p:nvSpPr>
+        <p:spPr>
+          <a:xfrm>
+            <a:off x="6473840" y="3563786"/>
+            <a:ext cx="1281457" cy="692497"/>
+          </a:xfrm>
+          <a:prstGeom prst="rect">
+            <a:avLst/>
+          </a:prstGeom>
+          <a:noFill/>
+        </p:spPr>
+        <p:txBody>
+          <a:bodyPr wrap="square" rtlCol="0">
+            <a:spAutoFit/>
+          </a:bodyPr>
+          <a:lstStyle/>
+          <a:p>
+            <a:r>
+              <a:rPr lang="en-US" sz="1300" dirty="0">
+                <a:solidFill>
+                  <a:schemeClr val="tx1">
+                    <a:lumMod val="95000"/>
+                    <a:lumOff val="5000"/>
+                  </a:schemeClr>
+                </a:solidFill>
+                <a:latin typeface="+mj-lt"/>
+              </a:rPr>
+              <a:t>Movement  trajectories of individuals</a:t>
+            </a:r>
+          </a:p>
+        </p:txBody>
+      </p:sp>
       <p:grpSp>
         <p:nvGrpSpPr>
           <p:cNvPr id="79" name="Group 78">
@@ -3421,7 +3604,7 @@
         </p:nvGrpSpPr>
         <p:grpSpPr>
           <a:xfrm>
-            <a:off x="8303851" y="6423456"/>
+            <a:off x="8432443" y="6596882"/>
             <a:ext cx="914400" cy="914400"/>
             <a:chOff x="6980617" y="4926197"/>
             <a:chExt cx="914400" cy="914400"/>
@@ -3615,7 +3798,7 @@
         </p:nvGrpSpPr>
         <p:grpSpPr>
           <a:xfrm>
-            <a:off x="6994874" y="6426020"/>
+            <a:off x="7080602" y="6599446"/>
             <a:ext cx="930944" cy="1340882"/>
             <a:chOff x="1184996" y="9220193"/>
             <a:chExt cx="930944" cy="1340882"/>
@@ -3662,7 +3845,6 @@
                       <a:lumOff val="25000"/>
                     </a:schemeClr>
                   </a:solidFill>
-                  <a:latin typeface="+mj-lt"/>
                 </a:rPr>
                 <a:t>Direction </a:t>
               </a:r>
@@ -3681,7 +3863,6 @@
                       <a:lumOff val="25000"/>
                     </a:schemeClr>
                   </a:solidFill>
-                  <a:latin typeface="+mj-lt"/>
                 </a:rPr>
                 <a:t>of travel</a:t>
               </a:r>
@@ -3937,7 +4118,12 @@
                     </a:lnSpc>
                   </a:pPr>
                   <a:endParaRPr lang="en-US" dirty="0">
-                    <a:latin typeface="+mj-lt"/>
+                    <a:solidFill>
+                      <a:schemeClr val="tx1">
+                        <a:lumMod val="75000"/>
+                        <a:lumOff val="25000"/>
+                      </a:schemeClr>
+                    </a:solidFill>
                   </a:endParaRPr>
                 </a:p>
               </p:txBody>
@@ -4059,7 +4245,12 @@
                     </a:lnSpc>
                   </a:pPr>
                   <a:endParaRPr lang="en-US" dirty="0">
-                    <a:latin typeface="+mj-lt"/>
+                    <a:solidFill>
+                      <a:schemeClr val="tx1">
+                        <a:lumMod val="75000"/>
+                        <a:lumOff val="25000"/>
+                      </a:schemeClr>
+                    </a:solidFill>
                   </a:endParaRPr>
                 </a:p>
               </p:txBody>
@@ -4083,7 +4274,7 @@
         </p:nvGrpSpPr>
         <p:grpSpPr>
           <a:xfrm>
-            <a:off x="10129276" y="4632326"/>
+            <a:off x="10129276" y="4805752"/>
             <a:ext cx="977978" cy="946253"/>
             <a:chOff x="9731984" y="4693725"/>
             <a:chExt cx="764063" cy="739276"/>
@@ -4663,7 +4854,7 @@
         </p:nvGrpSpPr>
         <p:grpSpPr>
           <a:xfrm>
-            <a:off x="8311999" y="4685710"/>
+            <a:off x="8311999" y="4859136"/>
             <a:ext cx="914400" cy="914400"/>
             <a:chOff x="6980617" y="4926197"/>
             <a:chExt cx="914400" cy="914400"/>
@@ -4857,7 +5048,7 @@
         </p:nvGrpSpPr>
         <p:grpSpPr>
           <a:xfrm>
-            <a:off x="6977442" y="4657135"/>
+            <a:off x="6977442" y="4830561"/>
             <a:ext cx="914400" cy="914400"/>
             <a:chOff x="6980617" y="4926197"/>
             <a:chExt cx="914400" cy="914400"/>
@@ -5051,8 +5242,8 @@
         </p:nvSpPr>
         <p:spPr>
           <a:xfrm rot="16200000">
-            <a:off x="5755214" y="4830355"/>
-            <a:ext cx="1568058" cy="598177"/>
+            <a:off x="5746077" y="5003781"/>
+            <a:ext cx="1586332" cy="598177"/>
           </a:xfrm>
           <a:prstGeom prst="rect">
             <a:avLst/>
@@ -5078,7 +5269,6 @@
                     <a:lumOff val="25000"/>
                   </a:schemeClr>
                 </a:solidFill>
-                <a:latin typeface="+mj-lt"/>
               </a:rPr>
               <a:t>Minimum distance </a:t>
             </a:r>
@@ -5097,7 +5287,6 @@
                     <a:lumOff val="25000"/>
                   </a:schemeClr>
                 </a:solidFill>
-                <a:latin typeface="+mj-lt"/>
               </a:rPr>
               <a:t>traveled from</a:t>
             </a:r>
@@ -5116,7 +5305,6 @@
                     <a:lumOff val="25000"/>
                   </a:schemeClr>
                 </a:solidFill>
-                <a:latin typeface="+mj-lt"/>
               </a:rPr>
               <a:t>summer habitat</a:t>
             </a:r>
@@ -5137,8 +5325,8 @@
         </p:nvSpPr>
         <p:spPr>
           <a:xfrm rot="16200000">
-            <a:off x="5787366" y="6672634"/>
-            <a:ext cx="1577483" cy="598177"/>
+            <a:off x="5859148" y="6846060"/>
+            <a:ext cx="1605376" cy="598177"/>
           </a:xfrm>
           <a:prstGeom prst="rect">
             <a:avLst/>
@@ -5164,7 +5352,6 @@
                     <a:lumOff val="25000"/>
                   </a:schemeClr>
                 </a:solidFill>
-                <a:latin typeface="+mj-lt"/>
               </a:rPr>
               <a:t>Probability of </a:t>
             </a:r>
@@ -5183,7 +5370,6 @@
                     <a:lumOff val="25000"/>
                   </a:schemeClr>
                 </a:solidFill>
-                <a:latin typeface="+mj-lt"/>
               </a:rPr>
               <a:t>Sampling at </a:t>
             </a:r>
@@ -5202,7 +5388,6 @@
                     <a:lumOff val="25000"/>
                   </a:schemeClr>
                 </a:solidFill>
-                <a:latin typeface="+mj-lt"/>
               </a:rPr>
               <a:t>wind energy facility</a:t>
             </a:r>
@@ -5223,7 +5408,7 @@
         </p:nvSpPr>
         <p:spPr>
           <a:xfrm>
-            <a:off x="6974813" y="5588760"/>
+            <a:off x="6974813" y="5762186"/>
             <a:ext cx="920750" cy="431464"/>
           </a:xfrm>
           <a:prstGeom prst="rect">
@@ -5250,7 +5435,6 @@
                     <a:lumOff val="25000"/>
                   </a:schemeClr>
                 </a:solidFill>
-                <a:latin typeface="+mj-lt"/>
               </a:rPr>
               <a:t>Summer</a:t>
             </a:r>
@@ -5269,7 +5453,6 @@
                     <a:lumOff val="25000"/>
                   </a:schemeClr>
                 </a:solidFill>
-                <a:latin typeface="+mj-lt"/>
               </a:rPr>
               <a:t>latitude</a:t>
             </a:r>
@@ -5290,7 +5473,7 @@
         </p:nvSpPr>
         <p:spPr>
           <a:xfrm>
-            <a:off x="8303851" y="5617379"/>
+            <a:off x="8303851" y="5790805"/>
             <a:ext cx="937095" cy="431465"/>
           </a:xfrm>
           <a:prstGeom prst="rect">
@@ -5317,7 +5500,6 @@
                     <a:lumOff val="25000"/>
                   </a:schemeClr>
                 </a:solidFill>
-                <a:latin typeface="+mj-lt"/>
               </a:rPr>
               <a:t>Sampling</a:t>
             </a:r>
@@ -5336,7 +5518,6 @@
                     <a:lumOff val="25000"/>
                   </a:schemeClr>
                 </a:solidFill>
-                <a:latin typeface="+mj-lt"/>
               </a:rPr>
               <a:t>latitude</a:t>
             </a:r>
@@ -5357,8 +5538,8 @@
         </p:nvSpPr>
         <p:spPr>
           <a:xfrm rot="16200000">
-            <a:off x="8965785" y="4907582"/>
-            <a:ext cx="1720471" cy="431465"/>
+            <a:off x="8955590" y="5081008"/>
+            <a:ext cx="1740862" cy="431465"/>
           </a:xfrm>
           <a:prstGeom prst="rect">
             <a:avLst/>
@@ -5384,7 +5565,6 @@
                     <a:lumOff val="25000"/>
                   </a:schemeClr>
                 </a:solidFill>
-                <a:latin typeface="+mj-lt"/>
               </a:rPr>
               <a:t>Direction of travel</a:t>
             </a:r>
@@ -5403,7 +5583,6 @@
                     <a:lumOff val="25000"/>
                   </a:schemeClr>
                 </a:solidFill>
-                <a:latin typeface="+mj-lt"/>
               </a:rPr>
               <a:t>from summer habitat</a:t>
             </a:r>
@@ -5424,15 +5603,15 @@
         </p:nvSpPr>
         <p:spPr>
           <a:xfrm>
-            <a:off x="916280" y="1390540"/>
-            <a:ext cx="4898766" cy="800094"/>
+            <a:off x="916280" y="1419568"/>
+            <a:ext cx="4663918" cy="800094"/>
           </a:xfrm>
           <a:prstGeom prst="rect">
             <a:avLst/>
           </a:prstGeom>
           <a:solidFill>
-            <a:srgbClr val="D00000">
-              <a:alpha val="7451"/>
+            <a:srgbClr val="D1003C">
+              <a:alpha val="7059"/>
             </a:srgbClr>
           </a:solidFill>
           <a:ln>
@@ -6395,8 +6574,8 @@
         </p:nvSpPr>
         <p:spPr>
           <a:xfrm rot="16200000">
-            <a:off x="46331" y="2065024"/>
-            <a:ext cx="1322798" cy="369332"/>
+            <a:off x="200378" y="1979794"/>
+            <a:ext cx="1186159" cy="338554"/>
           </a:xfrm>
           <a:prstGeom prst="rect">
             <a:avLst/>
@@ -6410,7 +6589,7 @@
           <a:lstStyle/>
           <a:p>
             <a:r>
-              <a:rPr lang="en-US" dirty="0">
+              <a:rPr lang="en-US" sz="1600" dirty="0">
                 <a:solidFill>
                   <a:schemeClr val="tx1">
                     <a:lumMod val="75000"/>
@@ -6422,7 +6601,7 @@
               <a:t>Latitude</a:t>
             </a:r>
             <a:r>
-              <a:rPr lang="en-US" dirty="0">
+              <a:rPr lang="en-US" sz="1600" dirty="0">
                 <a:solidFill>
                   <a:schemeClr val="tx1">
                     <a:lumMod val="75000"/>
@@ -6431,45 +6610,6 @@
                 </a:solidFill>
               </a:rPr>
               <a:t>  → </a:t>
-            </a:r>
-          </a:p>
-        </p:txBody>
-      </p:sp>
-      <p:sp>
-        <p:nvSpPr>
-          <p:cNvPr id="22" name="TextBox 21">
-            <a:extLst>
-              <a:ext uri="{FF2B5EF4-FFF2-40B4-BE49-F238E27FC236}">
-                <a16:creationId xmlns:a16="http://schemas.microsoft.com/office/drawing/2014/main" id="{B02645C3-208B-AED6-C418-18730B522D9B}"/>
-              </a:ext>
-            </a:extLst>
-          </p:cNvPr>
-          <p:cNvSpPr txBox="1"/>
-          <p:nvPr/>
-        </p:nvSpPr>
-        <p:spPr>
-          <a:xfrm>
-            <a:off x="839646" y="2051991"/>
-            <a:ext cx="963725" cy="261610"/>
-          </a:xfrm>
-          <a:prstGeom prst="rect">
-            <a:avLst/>
-          </a:prstGeom>
-          <a:noFill/>
-        </p:spPr>
-        <p:txBody>
-          <a:bodyPr wrap="none" rtlCol="0">
-            <a:spAutoFit/>
-          </a:bodyPr>
-          <a:lstStyle/>
-          <a:p>
-            <a:r>
-              <a:rPr lang="en-US" sz="1100" dirty="0">
-                <a:solidFill>
-                  <a:srgbClr val="FA8180"/>
-                </a:solidFill>
-              </a:rPr>
-              <a:t>High risk area</a:t>
             </a:r>
           </a:p>
         </p:txBody>
@@ -6488,8 +6628,8 @@
         </p:nvSpPr>
         <p:spPr>
           <a:xfrm>
-            <a:off x="2162531" y="3548288"/>
-            <a:ext cx="3652517" cy="461665"/>
+            <a:off x="2373482" y="3548288"/>
+            <a:ext cx="3441564" cy="461665"/>
           </a:xfrm>
           <a:prstGeom prst="rect">
             <a:avLst/>
@@ -6513,62 +6653,11 @@
                 </a:solidFill>
                 <a:latin typeface="+mj-lt"/>
               </a:rPr>
-              <a:t>Movement distance, direction from summer location </a:t>
-            </a:r>
-          </a:p>
-          <a:p>
-            <a:pPr algn="ctr"/>
-            <a:r>
-              <a:rPr lang="en-US" sz="1200" dirty="0">
-                <a:solidFill>
-                  <a:schemeClr val="tx1">
-                    <a:lumMod val="75000"/>
-                    <a:lumOff val="25000"/>
-                  </a:schemeClr>
-                </a:solidFill>
-                <a:latin typeface="+mj-lt"/>
-              </a:rPr>
-              <a:t>can be inferred from sampling at any time</a:t>
+              <a:t>Movement distance, direction relative to summer location can be inferred from sampling at any time</a:t>
             </a:r>
           </a:p>
         </p:txBody>
       </p:sp>
-      <p:pic>
-        <p:nvPicPr>
-          <p:cNvPr id="20" name="Graphic 19" descr="Wind Turbines with solid fill">
-            <a:extLst>
-              <a:ext uri="{FF2B5EF4-FFF2-40B4-BE49-F238E27FC236}">
-                <a16:creationId xmlns:a16="http://schemas.microsoft.com/office/drawing/2014/main" id="{30146D25-5F56-2677-D402-4349C741526D}"/>
-              </a:ext>
-            </a:extLst>
-          </p:cNvPr>
-          <p:cNvPicPr>
-            <a:picLocks noChangeAspect="1"/>
-          </p:cNvPicPr>
-          <p:nvPr/>
-        </p:nvPicPr>
-        <p:blipFill>
-          <a:blip r:embed="rId5">
-            <a:extLst>
-              <a:ext uri="{96DAC541-7B7A-43D3-8B79-37D633B846F1}">
-                <asvg:svgBlip xmlns:asvg="http://schemas.microsoft.com/office/drawing/2016/SVG/main" r:embed="rId6"/>
-              </a:ext>
-            </a:extLst>
-          </a:blip>
-          <a:stretch>
-            <a:fillRect/>
-          </a:stretch>
-        </p:blipFill>
-        <p:spPr>
-          <a:xfrm>
-            <a:off x="911234" y="1837526"/>
-            <a:ext cx="210927" cy="210927"/>
-          </a:xfrm>
-          <a:prstGeom prst="rect">
-            <a:avLst/>
-          </a:prstGeom>
-        </p:spPr>
-      </p:pic>
       <p:grpSp>
         <p:nvGrpSpPr>
           <p:cNvPr id="23" name="Group 22">
@@ -6766,8 +6855,8 @@
         </p:nvSpPr>
         <p:spPr>
           <a:xfrm>
-            <a:off x="701998" y="3563786"/>
-            <a:ext cx="1671484" cy="461665"/>
+            <a:off x="677954" y="3563786"/>
+            <a:ext cx="1719573" cy="461665"/>
           </a:xfrm>
           <a:prstGeom prst="rect">
             <a:avLst/>
@@ -7673,15 +7762,15 @@
         </p:nvSpPr>
         <p:spPr>
           <a:xfrm>
-            <a:off x="6377839" y="1362709"/>
-            <a:ext cx="4898766" cy="800094"/>
+            <a:off x="6377839" y="1419568"/>
+            <a:ext cx="4661623" cy="800094"/>
           </a:xfrm>
           <a:prstGeom prst="rect">
             <a:avLst/>
           </a:prstGeom>
           <a:solidFill>
-            <a:srgbClr val="D00000">
-              <a:alpha val="7451"/>
+            <a:srgbClr val="D1003C">
+              <a:alpha val="7059"/>
             </a:srgbClr>
           </a:solidFill>
           <a:ln>
@@ -8913,8 +9002,8 @@
         </p:nvSpPr>
         <p:spPr>
           <a:xfrm>
-            <a:off x="1667989" y="165206"/>
-            <a:ext cx="3191066" cy="369332"/>
+            <a:off x="1803371" y="36616"/>
+            <a:ext cx="3022879" cy="369332"/>
           </a:xfrm>
           <a:prstGeom prst="rect">
             <a:avLst/>
@@ -8928,8 +9017,10 @@
           <a:lstStyle/>
           <a:p>
             <a:r>
-              <a:rPr lang="en-US" dirty="0"/>
-              <a:t>Conventional migratory strategy</a:t>
+              <a:rPr lang="en-US" b="1" dirty="0">
+                <a:latin typeface="+mj-lt"/>
+              </a:rPr>
+              <a:t>To-and-fro migratory strategy</a:t>
             </a:r>
           </a:p>
         </p:txBody>
@@ -8948,8 +9039,8 @@
         </p:nvSpPr>
         <p:spPr>
           <a:xfrm>
-            <a:off x="7310193" y="165206"/>
-            <a:ext cx="2765052" cy="369332"/>
+            <a:off x="7310193" y="36616"/>
+            <a:ext cx="2853025" cy="369332"/>
           </a:xfrm>
           <a:prstGeom prst="rect">
             <a:avLst/>
@@ -8963,7 +9054,9 @@
           <a:lstStyle/>
           <a:p>
             <a:r>
-              <a:rPr lang="en-US" dirty="0"/>
+              <a:rPr lang="en-US" b="1" dirty="0">
+                <a:latin typeface="+mj-lt"/>
+              </a:rPr>
               <a:t>Pell-mell migratory strategy</a:t>
             </a:r>
           </a:p>
@@ -9974,272 +10067,231 @@
           </a:p>
         </p:txBody>
       </p:sp>
-      <p:sp>
-        <p:nvSpPr>
-          <p:cNvPr id="285" name="Rectangle 284">
+      <p:grpSp>
+        <p:nvGrpSpPr>
+          <p:cNvPr id="30" name="Group 29">
             <a:extLst>
               <a:ext uri="{FF2B5EF4-FFF2-40B4-BE49-F238E27FC236}">
-                <a16:creationId xmlns:a16="http://schemas.microsoft.com/office/drawing/2014/main" id="{8D6433E5-87EE-4115-9129-01AF23EC661B}"/>
+                <a16:creationId xmlns:a16="http://schemas.microsoft.com/office/drawing/2014/main" id="{FC2451FD-9D38-0991-20FD-352C9AEA3993}"/>
               </a:ext>
             </a:extLst>
           </p:cNvPr>
-          <p:cNvSpPr/>
+          <p:cNvGrpSpPr/>
           <p:nvPr/>
-        </p:nvSpPr>
-        <p:spPr>
+        </p:nvGrpSpPr>
+        <p:grpSpPr>
           <a:xfrm>
-            <a:off x="6723530" y="3708733"/>
-            <a:ext cx="182880" cy="182880"/>
+            <a:off x="7874438" y="3559729"/>
+            <a:ext cx="3484167" cy="707619"/>
+            <a:chOff x="8516403" y="3577269"/>
+            <a:chExt cx="3291924" cy="707619"/>
           </a:xfrm>
-          <a:prstGeom prst="rect">
-            <a:avLst/>
-          </a:prstGeom>
-          <a:solidFill>
-            <a:srgbClr val="0EB8C5"/>
-          </a:solidFill>
-          <a:ln>
+        </p:grpSpPr>
+        <p:sp>
+          <p:nvSpPr>
+            <p:cNvPr id="285" name="Rectangle 284">
+              <a:extLst>
+                <a:ext uri="{FF2B5EF4-FFF2-40B4-BE49-F238E27FC236}">
+                  <a16:creationId xmlns:a16="http://schemas.microsoft.com/office/drawing/2014/main" id="{8D6433E5-87EE-4115-9129-01AF23EC661B}"/>
+                </a:ext>
+              </a:extLst>
+            </p:cNvPr>
+            <p:cNvSpPr/>
+            <p:nvPr/>
+          </p:nvSpPr>
+          <p:spPr>
+            <a:xfrm>
+              <a:off x="8516403" y="3669112"/>
+              <a:ext cx="172790" cy="182880"/>
+            </a:xfrm>
+            <a:prstGeom prst="rect">
+              <a:avLst/>
+            </a:prstGeom>
+            <a:solidFill>
+              <a:srgbClr val="0EB8C5"/>
+            </a:solidFill>
+            <a:ln>
+              <a:noFill/>
+            </a:ln>
+          </p:spPr>
+          <p:style>
+            <a:lnRef idx="2">
+              <a:schemeClr val="accent1">
+                <a:shade val="15000"/>
+              </a:schemeClr>
+            </a:lnRef>
+            <a:fillRef idx="1">
+              <a:schemeClr val="accent1"/>
+            </a:fillRef>
+            <a:effectRef idx="0">
+              <a:schemeClr val="accent1"/>
+            </a:effectRef>
+            <a:fontRef idx="minor">
+              <a:schemeClr val="lt1"/>
+            </a:fontRef>
+          </p:style>
+          <p:txBody>
+            <a:bodyPr rtlCol="0" anchor="ctr"/>
+            <a:lstStyle/>
+            <a:p>
+              <a:pPr algn="ctr"/>
+              <a:endParaRPr lang="en-US" sz="1300">
+                <a:solidFill>
+                  <a:schemeClr val="tx1">
+                    <a:lumMod val="95000"/>
+                    <a:lumOff val="5000"/>
+                  </a:schemeClr>
+                </a:solidFill>
+              </a:endParaRPr>
+            </a:p>
+          </p:txBody>
+        </p:sp>
+        <p:sp>
+          <p:nvSpPr>
+            <p:cNvPr id="286" name="TextBox 285">
+              <a:extLst>
+                <a:ext uri="{FF2B5EF4-FFF2-40B4-BE49-F238E27FC236}">
+                  <a16:creationId xmlns:a16="http://schemas.microsoft.com/office/drawing/2014/main" id="{49557634-C178-D9A9-7CA0-339586E1B010}"/>
+                </a:ext>
+              </a:extLst>
+            </p:cNvPr>
+            <p:cNvSpPr txBox="1"/>
+            <p:nvPr/>
+          </p:nvSpPr>
+          <p:spPr>
+            <a:xfrm>
+              <a:off x="8658485" y="3592391"/>
+              <a:ext cx="1507531" cy="692497"/>
+            </a:xfrm>
+            <a:prstGeom prst="rect">
+              <a:avLst/>
+            </a:prstGeom>
             <a:noFill/>
-          </a:ln>
-        </p:spPr>
-        <p:style>
-          <a:lnRef idx="2">
-            <a:schemeClr val="accent1">
-              <a:shade val="15000"/>
-            </a:schemeClr>
-          </a:lnRef>
-          <a:fillRef idx="1">
-            <a:schemeClr val="accent1"/>
-          </a:fillRef>
-          <a:effectRef idx="0">
-            <a:schemeClr val="accent1"/>
-          </a:effectRef>
-          <a:fontRef idx="minor">
-            <a:schemeClr val="lt1"/>
-          </a:fontRef>
-        </p:style>
-        <p:txBody>
-          <a:bodyPr rtlCol="0" anchor="ctr"/>
-          <a:lstStyle/>
-          <a:p>
-            <a:pPr algn="ctr"/>
-            <a:endParaRPr lang="en-US"/>
-          </a:p>
-        </p:txBody>
-      </p:sp>
-      <p:sp>
-        <p:nvSpPr>
-          <p:cNvPr id="286" name="TextBox 285">
-            <a:extLst>
-              <a:ext uri="{FF2B5EF4-FFF2-40B4-BE49-F238E27FC236}">
-                <a16:creationId xmlns:a16="http://schemas.microsoft.com/office/drawing/2014/main" id="{49557634-C178-D9A9-7CA0-339586E1B010}"/>
-              </a:ext>
-            </a:extLst>
-          </p:cNvPr>
-          <p:cNvSpPr txBox="1"/>
-          <p:nvPr/>
-        </p:nvSpPr>
-        <p:spPr>
-          <a:xfrm>
-            <a:off x="6853622" y="3665312"/>
-            <a:ext cx="1947584" cy="276999"/>
-          </a:xfrm>
-          <a:prstGeom prst="rect">
-            <a:avLst/>
-          </a:prstGeom>
-          <a:noFill/>
-        </p:spPr>
-        <p:txBody>
-          <a:bodyPr wrap="none" rtlCol="0">
-            <a:spAutoFit/>
-          </a:bodyPr>
-          <a:lstStyle/>
-          <a:p>
-            <a:r>
-              <a:rPr lang="en-US" sz="1200" dirty="0"/>
-              <a:t>Movement to lower latitude</a:t>
-            </a:r>
-          </a:p>
-        </p:txBody>
-      </p:sp>
-      <p:sp>
-        <p:nvSpPr>
-          <p:cNvPr id="287" name="Rectangle 286">
-            <a:extLst>
-              <a:ext uri="{FF2B5EF4-FFF2-40B4-BE49-F238E27FC236}">
-                <a16:creationId xmlns:a16="http://schemas.microsoft.com/office/drawing/2014/main" id="{E82852E9-7936-37EE-DF09-386B72840C6E}"/>
-              </a:ext>
-            </a:extLst>
-          </p:cNvPr>
-          <p:cNvSpPr/>
-          <p:nvPr/>
-        </p:nvSpPr>
-        <p:spPr>
-          <a:xfrm>
-            <a:off x="8872396" y="3698826"/>
-            <a:ext cx="182880" cy="182880"/>
-          </a:xfrm>
-          <a:prstGeom prst="rect">
-            <a:avLst/>
-          </a:prstGeom>
-          <a:solidFill>
-            <a:srgbClr val="80AF68"/>
-          </a:solidFill>
-          <a:ln>
+          </p:spPr>
+          <p:txBody>
+            <a:bodyPr wrap="square" rtlCol="0">
+              <a:spAutoFit/>
+            </a:bodyPr>
+            <a:lstStyle/>
+            <a:p>
+              <a:r>
+                <a:rPr lang="en-US" sz="1300" dirty="0">
+                  <a:solidFill>
+                    <a:schemeClr val="tx1">
+                      <a:lumMod val="95000"/>
+                      <a:lumOff val="5000"/>
+                    </a:schemeClr>
+                  </a:solidFill>
+                  <a:latin typeface="+mj-lt"/>
+                </a:rPr>
+                <a:t>Movement from summer habitat to lower latitude</a:t>
+              </a:r>
+            </a:p>
+          </p:txBody>
+        </p:sp>
+        <p:sp>
+          <p:nvSpPr>
+            <p:cNvPr id="287" name="Rectangle 286">
+              <a:extLst>
+                <a:ext uri="{FF2B5EF4-FFF2-40B4-BE49-F238E27FC236}">
+                  <a16:creationId xmlns:a16="http://schemas.microsoft.com/office/drawing/2014/main" id="{E82852E9-7936-37EE-DF09-386B72840C6E}"/>
+                </a:ext>
+              </a:extLst>
+            </p:cNvPr>
+            <p:cNvSpPr/>
+            <p:nvPr/>
+          </p:nvSpPr>
+          <p:spPr>
+            <a:xfrm>
+              <a:off x="10101882" y="3658403"/>
+              <a:ext cx="172790" cy="182880"/>
+            </a:xfrm>
+            <a:prstGeom prst="rect">
+              <a:avLst/>
+            </a:prstGeom>
+            <a:solidFill>
+              <a:srgbClr val="80AF68"/>
+            </a:solidFill>
+            <a:ln>
+              <a:noFill/>
+            </a:ln>
+          </p:spPr>
+          <p:style>
+            <a:lnRef idx="2">
+              <a:schemeClr val="accent1">
+                <a:shade val="15000"/>
+              </a:schemeClr>
+            </a:lnRef>
+            <a:fillRef idx="1">
+              <a:schemeClr val="accent1"/>
+            </a:fillRef>
+            <a:effectRef idx="0">
+              <a:schemeClr val="accent1"/>
+            </a:effectRef>
+            <a:fontRef idx="minor">
+              <a:schemeClr val="lt1"/>
+            </a:fontRef>
+          </p:style>
+          <p:txBody>
+            <a:bodyPr rtlCol="0" anchor="ctr"/>
+            <a:lstStyle/>
+            <a:p>
+              <a:pPr algn="ctr"/>
+              <a:endParaRPr lang="en-US" sz="1300">
+                <a:solidFill>
+                  <a:schemeClr val="tx1">
+                    <a:lumMod val="95000"/>
+                    <a:lumOff val="5000"/>
+                  </a:schemeClr>
+                </a:solidFill>
+              </a:endParaRPr>
+            </a:p>
+          </p:txBody>
+        </p:sp>
+        <p:sp>
+          <p:nvSpPr>
+            <p:cNvPr id="288" name="TextBox 287">
+              <a:extLst>
+                <a:ext uri="{FF2B5EF4-FFF2-40B4-BE49-F238E27FC236}">
+                  <a16:creationId xmlns:a16="http://schemas.microsoft.com/office/drawing/2014/main" id="{DF411915-77C5-5EC3-5983-692432B30394}"/>
+                </a:ext>
+              </a:extLst>
+            </p:cNvPr>
+            <p:cNvSpPr txBox="1"/>
+            <p:nvPr/>
+          </p:nvSpPr>
+          <p:spPr>
+            <a:xfrm>
+              <a:off x="10264909" y="3577269"/>
+              <a:ext cx="1543418" cy="692497"/>
+            </a:xfrm>
+            <a:prstGeom prst="rect">
+              <a:avLst/>
+            </a:prstGeom>
             <a:noFill/>
-          </a:ln>
-        </p:spPr>
-        <p:style>
-          <a:lnRef idx="2">
-            <a:schemeClr val="accent1">
-              <a:shade val="15000"/>
-            </a:schemeClr>
-          </a:lnRef>
-          <a:fillRef idx="1">
-            <a:schemeClr val="accent1"/>
-          </a:fillRef>
-          <a:effectRef idx="0">
-            <a:schemeClr val="accent1"/>
-          </a:effectRef>
-          <a:fontRef idx="minor">
-            <a:schemeClr val="lt1"/>
-          </a:fontRef>
-        </p:style>
-        <p:txBody>
-          <a:bodyPr rtlCol="0" anchor="ctr"/>
-          <a:lstStyle/>
-          <a:p>
-            <a:pPr algn="ctr"/>
-            <a:endParaRPr lang="en-US"/>
-          </a:p>
-        </p:txBody>
-      </p:sp>
-      <p:sp>
-        <p:nvSpPr>
-          <p:cNvPr id="288" name="TextBox 287">
-            <a:extLst>
-              <a:ext uri="{FF2B5EF4-FFF2-40B4-BE49-F238E27FC236}">
-                <a16:creationId xmlns:a16="http://schemas.microsoft.com/office/drawing/2014/main" id="{DF411915-77C5-5EC3-5983-692432B30394}"/>
-              </a:ext>
-            </a:extLst>
-          </p:cNvPr>
-          <p:cNvSpPr txBox="1"/>
-          <p:nvPr/>
-        </p:nvSpPr>
-        <p:spPr>
-          <a:xfrm>
-            <a:off x="9033484" y="3655405"/>
-            <a:ext cx="1989584" cy="276999"/>
-          </a:xfrm>
-          <a:prstGeom prst="rect">
-            <a:avLst/>
-          </a:prstGeom>
-          <a:noFill/>
-        </p:spPr>
-        <p:txBody>
-          <a:bodyPr wrap="none" rtlCol="0">
-            <a:spAutoFit/>
-          </a:bodyPr>
-          <a:lstStyle/>
-          <a:p>
-            <a:r>
-              <a:rPr lang="en-US" sz="1200" dirty="0"/>
-              <a:t>Movement to higher latitude</a:t>
-            </a:r>
-          </a:p>
-        </p:txBody>
-      </p:sp>
-      <p:cxnSp>
-        <p:nvCxnSpPr>
-          <p:cNvPr id="405" name="Straight Connector 404">
-            <a:extLst>
-              <a:ext uri="{FF2B5EF4-FFF2-40B4-BE49-F238E27FC236}">
-                <a16:creationId xmlns:a16="http://schemas.microsoft.com/office/drawing/2014/main" id="{D60E5016-A954-0EF0-07C2-C46C90B91B66}"/>
-              </a:ext>
-            </a:extLst>
-          </p:cNvPr>
-          <p:cNvCxnSpPr>
-            <a:cxnSpLocks/>
-          </p:cNvCxnSpPr>
-          <p:nvPr/>
-        </p:nvCxnSpPr>
-        <p:spPr>
-          <a:xfrm>
-            <a:off x="5990610" y="4204063"/>
-            <a:ext cx="0" cy="4050792"/>
-          </a:xfrm>
-          <a:prstGeom prst="line">
-            <a:avLst/>
-          </a:prstGeom>
-          <a:ln>
-            <a:solidFill>
-              <a:schemeClr val="tx1">
-                <a:lumMod val="75000"/>
-                <a:lumOff val="25000"/>
-              </a:schemeClr>
-            </a:solidFill>
-          </a:ln>
-        </p:spPr>
-        <p:style>
-          <a:lnRef idx="1">
-            <a:schemeClr val="accent1"/>
-          </a:lnRef>
-          <a:fillRef idx="0">
-            <a:schemeClr val="accent1"/>
-          </a:fillRef>
-          <a:effectRef idx="0">
-            <a:schemeClr val="accent1"/>
-          </a:effectRef>
-          <a:fontRef idx="minor">
-            <a:schemeClr val="tx1"/>
-          </a:fontRef>
-        </p:style>
-      </p:cxnSp>
-      <p:cxnSp>
-        <p:nvCxnSpPr>
-          <p:cNvPr id="44" name="Straight Connector 43">
-            <a:extLst>
-              <a:ext uri="{FF2B5EF4-FFF2-40B4-BE49-F238E27FC236}">
-                <a16:creationId xmlns:a16="http://schemas.microsoft.com/office/drawing/2014/main" id="{B15C9D9C-2435-E44D-77E9-7AD547D49A63}"/>
-              </a:ext>
-            </a:extLst>
-          </p:cNvPr>
-          <p:cNvCxnSpPr>
-            <a:cxnSpLocks/>
-          </p:cNvCxnSpPr>
-          <p:nvPr/>
-        </p:nvCxnSpPr>
-        <p:spPr>
-          <a:xfrm>
-            <a:off x="523063" y="4194919"/>
-            <a:ext cx="0" cy="4069080"/>
-          </a:xfrm>
-          <a:prstGeom prst="line">
-            <a:avLst/>
-          </a:prstGeom>
-          <a:ln>
-            <a:solidFill>
-              <a:schemeClr val="tx1">
-                <a:lumMod val="75000"/>
-                <a:lumOff val="25000"/>
-              </a:schemeClr>
-            </a:solidFill>
-          </a:ln>
-        </p:spPr>
-        <p:style>
-          <a:lnRef idx="1">
-            <a:schemeClr val="accent1"/>
-          </a:lnRef>
-          <a:fillRef idx="0">
-            <a:schemeClr val="accent1"/>
-          </a:fillRef>
-          <a:effectRef idx="0">
-            <a:schemeClr val="accent1"/>
-          </a:effectRef>
-          <a:fontRef idx="minor">
-            <a:schemeClr val="tx1"/>
-          </a:fontRef>
-        </p:style>
-      </p:cxnSp>
+          </p:spPr>
+          <p:txBody>
+            <a:bodyPr wrap="square" rtlCol="0">
+              <a:spAutoFit/>
+            </a:bodyPr>
+            <a:lstStyle/>
+            <a:p>
+              <a:r>
+                <a:rPr lang="en-US" sz="1300" dirty="0">
+                  <a:solidFill>
+                    <a:schemeClr val="tx1">
+                      <a:lumMod val="95000"/>
+                      <a:lumOff val="5000"/>
+                    </a:schemeClr>
+                  </a:solidFill>
+                  <a:latin typeface="+mj-lt"/>
+                </a:rPr>
+                <a:t>Movement from summer habitat to higher latitude</a:t>
+              </a:r>
+            </a:p>
+          </p:txBody>
+        </p:sp>
+      </p:grpSp>
       <p:sp>
         <p:nvSpPr>
           <p:cNvPr id="45" name="TextBox 44">
@@ -10254,8 +10306,8 @@
         </p:nvSpPr>
         <p:spPr>
           <a:xfrm rot="16200000">
-            <a:off x="-1096545" y="2065023"/>
-            <a:ext cx="2607830" cy="369332"/>
+            <a:off x="-1131682" y="2065023"/>
+            <a:ext cx="2678105" cy="369332"/>
           </a:xfrm>
           <a:prstGeom prst="rect">
             <a:avLst/>
@@ -10269,7 +10321,9 @@
           <a:lstStyle/>
           <a:p>
             <a:r>
-              <a:rPr lang="en-US" dirty="0"/>
+              <a:rPr lang="en-US" b="1" dirty="0">
+                <a:latin typeface="+mj-lt"/>
+              </a:rPr>
               <a:t>Movements of individuals</a:t>
             </a:r>
           </a:p>
@@ -10289,8 +10343,8 @@
         </p:nvSpPr>
         <p:spPr>
           <a:xfrm rot="16200000">
-            <a:off x="-1765180" y="6044793"/>
-            <a:ext cx="4054828" cy="369332"/>
+            <a:off x="-1827793" y="6044793"/>
+            <a:ext cx="4180055" cy="369332"/>
           </a:xfrm>
           <a:prstGeom prst="rect">
             <a:avLst/>
@@ -10304,38 +10358,321 @@
           <a:lstStyle/>
           <a:p>
             <a:r>
-              <a:rPr lang="en-US" dirty="0"/>
+              <a:rPr lang="en-US" b="1" dirty="0">
+                <a:latin typeface="+mj-lt"/>
+              </a:rPr>
               <a:t>Predicted relationships within population</a:t>
+            </a:r>
+          </a:p>
+        </p:txBody>
+      </p:sp>
+      <p:sp>
+        <p:nvSpPr>
+          <p:cNvPr id="290" name="TextBox 289">
+            <a:extLst>
+              <a:ext uri="{FF2B5EF4-FFF2-40B4-BE49-F238E27FC236}">
+                <a16:creationId xmlns:a16="http://schemas.microsoft.com/office/drawing/2014/main" id="{39D187C3-E99B-3645-2659-2EE81E849C0C}"/>
+              </a:ext>
+            </a:extLst>
+          </p:cNvPr>
+          <p:cNvSpPr txBox="1"/>
+          <p:nvPr/>
+        </p:nvSpPr>
+        <p:spPr>
+          <a:xfrm rot="16200000">
+            <a:off x="223529" y="5003781"/>
+            <a:ext cx="1586332" cy="598177"/>
+          </a:xfrm>
+          <a:prstGeom prst="rect">
+            <a:avLst/>
+          </a:prstGeom>
+          <a:noFill/>
+        </p:spPr>
+        <p:txBody>
+          <a:bodyPr wrap="none" rtlCol="0">
+            <a:spAutoFit/>
+          </a:bodyPr>
+          <a:lstStyle/>
+          <a:p>
+            <a:pPr algn="ctr">
+              <a:lnSpc>
+                <a:spcPts val="1300"/>
+              </a:lnSpc>
+            </a:pPr>
+            <a:r>
+              <a:rPr lang="en-US" sz="1400" dirty="0">
+                <a:solidFill>
+                  <a:schemeClr val="tx1">
+                    <a:lumMod val="75000"/>
+                    <a:lumOff val="25000"/>
+                  </a:schemeClr>
+                </a:solidFill>
+              </a:rPr>
+              <a:t>Minimum distance </a:t>
+            </a:r>
+          </a:p>
+          <a:p>
+            <a:pPr algn="ctr">
+              <a:lnSpc>
+                <a:spcPts val="1300"/>
+              </a:lnSpc>
+            </a:pPr>
+            <a:r>
+              <a:rPr lang="en-US" sz="1400" dirty="0">
+                <a:solidFill>
+                  <a:schemeClr val="tx1">
+                    <a:lumMod val="75000"/>
+                    <a:lumOff val="25000"/>
+                  </a:schemeClr>
+                </a:solidFill>
+              </a:rPr>
+              <a:t>traveled from</a:t>
+            </a:r>
+          </a:p>
+          <a:p>
+            <a:pPr algn="ctr">
+              <a:lnSpc>
+                <a:spcPts val="1300"/>
+              </a:lnSpc>
+            </a:pPr>
+            <a:r>
+              <a:rPr lang="en-US" sz="1400" dirty="0">
+                <a:solidFill>
+                  <a:schemeClr val="tx1">
+                    <a:lumMod val="75000"/>
+                    <a:lumOff val="25000"/>
+                  </a:schemeClr>
+                </a:solidFill>
+              </a:rPr>
+              <a:t>summer habitat</a:t>
+            </a:r>
+          </a:p>
+        </p:txBody>
+      </p:sp>
+      <p:sp>
+        <p:nvSpPr>
+          <p:cNvPr id="292" name="TextBox 291">
+            <a:extLst>
+              <a:ext uri="{FF2B5EF4-FFF2-40B4-BE49-F238E27FC236}">
+                <a16:creationId xmlns:a16="http://schemas.microsoft.com/office/drawing/2014/main" id="{4B636DC4-AD54-4B54-3FA2-CC09BE0AC012}"/>
+              </a:ext>
+            </a:extLst>
+          </p:cNvPr>
+          <p:cNvSpPr txBox="1"/>
+          <p:nvPr/>
+        </p:nvSpPr>
+        <p:spPr>
+          <a:xfrm rot="16200000">
+            <a:off x="336600" y="6846060"/>
+            <a:ext cx="1605376" cy="598177"/>
+          </a:xfrm>
+          <a:prstGeom prst="rect">
+            <a:avLst/>
+          </a:prstGeom>
+          <a:noFill/>
+        </p:spPr>
+        <p:txBody>
+          <a:bodyPr wrap="none" rtlCol="0">
+            <a:spAutoFit/>
+          </a:bodyPr>
+          <a:lstStyle/>
+          <a:p>
+            <a:pPr algn="ctr">
+              <a:lnSpc>
+                <a:spcPts val="1300"/>
+              </a:lnSpc>
+            </a:pPr>
+            <a:r>
+              <a:rPr lang="en-US" sz="1400" dirty="0">
+                <a:solidFill>
+                  <a:schemeClr val="tx1">
+                    <a:lumMod val="75000"/>
+                    <a:lumOff val="25000"/>
+                  </a:schemeClr>
+                </a:solidFill>
+              </a:rPr>
+              <a:t>Probability of </a:t>
+            </a:r>
+          </a:p>
+          <a:p>
+            <a:pPr algn="ctr">
+              <a:lnSpc>
+                <a:spcPts val="1300"/>
+              </a:lnSpc>
+            </a:pPr>
+            <a:r>
+              <a:rPr lang="en-US" sz="1400" dirty="0">
+                <a:solidFill>
+                  <a:schemeClr val="tx1">
+                    <a:lumMod val="75000"/>
+                    <a:lumOff val="25000"/>
+                  </a:schemeClr>
+                </a:solidFill>
+              </a:rPr>
+              <a:t>Sampling at </a:t>
+            </a:r>
+          </a:p>
+          <a:p>
+            <a:pPr algn="ctr">
+              <a:lnSpc>
+                <a:spcPts val="1300"/>
+              </a:lnSpc>
+            </a:pPr>
+            <a:r>
+              <a:rPr lang="en-US" sz="1400" dirty="0">
+                <a:solidFill>
+                  <a:schemeClr val="tx1">
+                    <a:lumMod val="75000"/>
+                    <a:lumOff val="25000"/>
+                  </a:schemeClr>
+                </a:solidFill>
+              </a:rPr>
+              <a:t>wind energy facility</a:t>
             </a:r>
           </a:p>
         </p:txBody>
       </p:sp>
       <p:grpSp>
         <p:nvGrpSpPr>
-          <p:cNvPr id="133" name="Group 132">
+          <p:cNvPr id="293" name="Group 292">
             <a:extLst>
               <a:ext uri="{FF2B5EF4-FFF2-40B4-BE49-F238E27FC236}">
-                <a16:creationId xmlns:a16="http://schemas.microsoft.com/office/drawing/2014/main" id="{6B4EA122-F6D6-C59F-B71C-F3518AFDA1C0}"/>
+                <a16:creationId xmlns:a16="http://schemas.microsoft.com/office/drawing/2014/main" id="{94A569B9-A86A-E16C-BF8D-4E31A8800607}"/>
               </a:ext>
             </a:extLst>
           </p:cNvPr>
-          <p:cNvGrpSpPr/>
+          <p:cNvGrpSpPr>
+            <a:grpSpLocks noChangeAspect="1"/>
+          </p:cNvGrpSpPr>
           <p:nvPr/>
         </p:nvGrpSpPr>
         <p:grpSpPr>
           <a:xfrm>
-            <a:off x="717606" y="4263079"/>
-            <a:ext cx="5004148" cy="3688076"/>
-            <a:chOff x="717606" y="4263079"/>
-            <a:chExt cx="5004148" cy="3688076"/>
+            <a:off x="1448647" y="4831183"/>
+            <a:ext cx="924368" cy="1362470"/>
+            <a:chOff x="1114639" y="5163687"/>
+            <a:chExt cx="670067" cy="987647"/>
           </a:xfrm>
         </p:grpSpPr>
+        <p:grpSp>
+          <p:nvGrpSpPr>
+            <p:cNvPr id="294" name="Group 293">
+              <a:extLst>
+                <a:ext uri="{FF2B5EF4-FFF2-40B4-BE49-F238E27FC236}">
+                  <a16:creationId xmlns:a16="http://schemas.microsoft.com/office/drawing/2014/main" id="{102416D4-0F1A-ECAC-F246-EDC48F1FCCB7}"/>
+                </a:ext>
+              </a:extLst>
+            </p:cNvPr>
+            <p:cNvGrpSpPr/>
+            <p:nvPr/>
+          </p:nvGrpSpPr>
+          <p:grpSpPr>
+            <a:xfrm>
+              <a:off x="1114639" y="5163687"/>
+              <a:ext cx="662842" cy="664299"/>
+              <a:chOff x="891077" y="4822101"/>
+              <a:chExt cx="662842" cy="664299"/>
+            </a:xfrm>
+          </p:grpSpPr>
+          <p:cxnSp>
+            <p:nvCxnSpPr>
+              <p:cNvPr id="297" name="Straight Connector 296">
+                <a:extLst>
+                  <a:ext uri="{FF2B5EF4-FFF2-40B4-BE49-F238E27FC236}">
+                    <a16:creationId xmlns:a16="http://schemas.microsoft.com/office/drawing/2014/main" id="{8F322931-1C01-1274-D1CD-2BEB56EBBC6F}"/>
+                  </a:ext>
+                </a:extLst>
+              </p:cNvPr>
+              <p:cNvCxnSpPr>
+                <a:cxnSpLocks noChangeAspect="1"/>
+              </p:cNvCxnSpPr>
+              <p:nvPr/>
+            </p:nvCxnSpPr>
+            <p:spPr>
+              <a:xfrm>
+                <a:off x="893379" y="4822101"/>
+                <a:ext cx="0" cy="662842"/>
+              </a:xfrm>
+              <a:prstGeom prst="line">
+                <a:avLst/>
+              </a:prstGeom>
+              <a:ln>
+                <a:solidFill>
+                  <a:schemeClr val="tx1">
+                    <a:lumMod val="65000"/>
+                    <a:lumOff val="35000"/>
+                  </a:schemeClr>
+                </a:solidFill>
+              </a:ln>
+            </p:spPr>
+            <p:style>
+              <a:lnRef idx="1">
+                <a:schemeClr val="accent1"/>
+              </a:lnRef>
+              <a:fillRef idx="0">
+                <a:schemeClr val="accent1"/>
+              </a:fillRef>
+              <a:effectRef idx="0">
+                <a:schemeClr val="accent1"/>
+              </a:effectRef>
+              <a:fontRef idx="minor">
+                <a:schemeClr val="tx1"/>
+              </a:fontRef>
+            </p:style>
+          </p:cxnSp>
+          <p:cxnSp>
+            <p:nvCxnSpPr>
+              <p:cNvPr id="298" name="Straight Connector 297">
+                <a:extLst>
+                  <a:ext uri="{FF2B5EF4-FFF2-40B4-BE49-F238E27FC236}">
+                    <a16:creationId xmlns:a16="http://schemas.microsoft.com/office/drawing/2014/main" id="{1F6B719C-1980-FEC2-752B-B30C6F91276B}"/>
+                  </a:ext>
+                </a:extLst>
+              </p:cNvPr>
+              <p:cNvCxnSpPr>
+                <a:cxnSpLocks/>
+              </p:cNvCxnSpPr>
+              <p:nvPr/>
+            </p:nvCxnSpPr>
+            <p:spPr>
+              <a:xfrm>
+                <a:off x="891077" y="5486400"/>
+                <a:ext cx="662842" cy="0"/>
+              </a:xfrm>
+              <a:prstGeom prst="line">
+                <a:avLst/>
+              </a:prstGeom>
+              <a:ln>
+                <a:solidFill>
+                  <a:schemeClr val="tx1">
+                    <a:lumMod val="50000"/>
+                    <a:lumOff val="50000"/>
+                  </a:schemeClr>
+                </a:solidFill>
+              </a:ln>
+            </p:spPr>
+            <p:style>
+              <a:lnRef idx="1">
+                <a:schemeClr val="accent1"/>
+              </a:lnRef>
+              <a:fillRef idx="0">
+                <a:schemeClr val="accent1"/>
+              </a:fillRef>
+              <a:effectRef idx="0">
+                <a:schemeClr val="accent1"/>
+              </a:effectRef>
+              <a:fontRef idx="minor">
+                <a:schemeClr val="tx1"/>
+              </a:fontRef>
+            </p:style>
+          </p:cxnSp>
+        </p:grpSp>
         <p:sp>
           <p:nvSpPr>
-            <p:cNvPr id="290" name="TextBox 289">
+            <p:cNvPr id="295" name="TextBox 294">
               <a:extLst>
                 <a:ext uri="{FF2B5EF4-FFF2-40B4-BE49-F238E27FC236}">
-                  <a16:creationId xmlns:a16="http://schemas.microsoft.com/office/drawing/2014/main" id="{39D187C3-E99B-3645-2659-2EE81E849C0C}"/>
+                  <a16:creationId xmlns:a16="http://schemas.microsoft.com/office/drawing/2014/main" id="{45EB0523-81A7-D505-8E09-49BF857DADBE}"/>
                 </a:ext>
               </a:extLst>
             </p:cNvPr>
@@ -10343,9 +10680,9 @@
             <p:nvPr/>
           </p:nvSpPr>
           <p:spPr>
-            <a:xfrm rot="16200000">
-              <a:off x="232666" y="4830355"/>
-              <a:ext cx="1568058" cy="598177"/>
+            <a:xfrm>
+              <a:off x="1117262" y="5838568"/>
+              <a:ext cx="667444" cy="312766"/>
             </a:xfrm>
             <a:prstGeom prst="rect">
               <a:avLst/>
@@ -10353,7 +10690,7 @@
             <a:noFill/>
           </p:spPr>
           <p:txBody>
-            <a:bodyPr wrap="none" rtlCol="0">
+            <a:bodyPr wrap="square" rtlCol="0">
               <a:spAutoFit/>
             </a:bodyPr>
             <a:lstStyle/>
@@ -10371,9 +10708,8 @@
                       <a:lumOff val="25000"/>
                     </a:schemeClr>
                   </a:solidFill>
-                  <a:latin typeface="+mj-lt"/>
                 </a:rPr>
-                <a:t>Minimum distance </a:t>
+                <a:t>Summer</a:t>
               </a:r>
             </a:p>
             <a:p>
@@ -10390,38 +10726,200 @@
                       <a:lumOff val="25000"/>
                     </a:schemeClr>
                   </a:solidFill>
-                  <a:latin typeface="+mj-lt"/>
                 </a:rPr>
-                <a:t>traveled from</a:t>
-              </a:r>
-            </a:p>
-            <a:p>
-              <a:pPr algn="ctr">
-                <a:lnSpc>
-                  <a:spcPts val="1300"/>
-                </a:lnSpc>
-              </a:pPr>
-              <a:r>
-                <a:rPr lang="en-US" sz="1400" dirty="0">
-                  <a:solidFill>
-                    <a:schemeClr val="tx1">
-                      <a:lumMod val="75000"/>
-                      <a:lumOff val="25000"/>
-                    </a:schemeClr>
-                  </a:solidFill>
-                  <a:latin typeface="+mj-lt"/>
-                </a:rPr>
-                <a:t>summer habitat</a:t>
+                <a:t>latitude</a:t>
               </a:r>
             </a:p>
           </p:txBody>
         </p:sp>
+        <p:cxnSp>
+          <p:nvCxnSpPr>
+            <p:cNvPr id="296" name="Straight Connector 295">
+              <a:extLst>
+                <a:ext uri="{FF2B5EF4-FFF2-40B4-BE49-F238E27FC236}">
+                  <a16:creationId xmlns:a16="http://schemas.microsoft.com/office/drawing/2014/main" id="{6139C918-A676-CE4D-5965-7632BC1564B0}"/>
+                </a:ext>
+              </a:extLst>
+            </p:cNvPr>
+            <p:cNvCxnSpPr>
+              <a:cxnSpLocks/>
+            </p:cNvCxnSpPr>
+            <p:nvPr/>
+          </p:nvCxnSpPr>
+          <p:spPr>
+            <a:xfrm flipV="1">
+              <a:off x="1180923" y="5229971"/>
+              <a:ext cx="530273" cy="530275"/>
+            </a:xfrm>
+            <a:prstGeom prst="line">
+              <a:avLst/>
+            </a:prstGeom>
+            <a:ln w="28575">
+              <a:solidFill>
+                <a:schemeClr val="tx1">
+                  <a:lumMod val="50000"/>
+                  <a:lumOff val="50000"/>
+                </a:schemeClr>
+              </a:solidFill>
+            </a:ln>
+          </p:spPr>
+          <p:style>
+            <a:lnRef idx="1">
+              <a:schemeClr val="accent1"/>
+            </a:lnRef>
+            <a:fillRef idx="0">
+              <a:schemeClr val="accent1"/>
+            </a:fillRef>
+            <a:effectRef idx="0">
+              <a:schemeClr val="accent1"/>
+            </a:effectRef>
+            <a:fontRef idx="minor">
+              <a:schemeClr val="tx1"/>
+            </a:fontRef>
+          </p:style>
+        </p:cxnSp>
+      </p:grpSp>
+      <p:grpSp>
+        <p:nvGrpSpPr>
+          <p:cNvPr id="299" name="Group 298">
+            <a:extLst>
+              <a:ext uri="{FF2B5EF4-FFF2-40B4-BE49-F238E27FC236}">
+                <a16:creationId xmlns:a16="http://schemas.microsoft.com/office/drawing/2014/main" id="{075BDDEF-A8C0-A4E3-9673-B5D3BF4D6A24}"/>
+              </a:ext>
+            </a:extLst>
+          </p:cNvPr>
+          <p:cNvGrpSpPr>
+            <a:grpSpLocks noChangeAspect="1"/>
+          </p:cNvGrpSpPr>
+          <p:nvPr/>
+        </p:nvGrpSpPr>
+        <p:grpSpPr>
+          <a:xfrm>
+            <a:off x="2781303" y="4859804"/>
+            <a:ext cx="937095" cy="1362458"/>
+            <a:chOff x="3604263" y="5176837"/>
+            <a:chExt cx="667310" cy="970213"/>
+          </a:xfrm>
+        </p:grpSpPr>
+        <p:grpSp>
+          <p:nvGrpSpPr>
+            <p:cNvPr id="300" name="Group 299">
+              <a:extLst>
+                <a:ext uri="{FF2B5EF4-FFF2-40B4-BE49-F238E27FC236}">
+                  <a16:creationId xmlns:a16="http://schemas.microsoft.com/office/drawing/2014/main" id="{1167B685-D45E-FF47-9853-362C83FDD8B0}"/>
+                </a:ext>
+              </a:extLst>
+            </p:cNvPr>
+            <p:cNvGrpSpPr/>
+            <p:nvPr/>
+          </p:nvGrpSpPr>
+          <p:grpSpPr>
+            <a:xfrm>
+              <a:off x="3611011" y="5176837"/>
+              <a:ext cx="651149" cy="651149"/>
+              <a:chOff x="893379" y="4835251"/>
+              <a:chExt cx="651149" cy="651149"/>
+            </a:xfrm>
+          </p:grpSpPr>
+          <p:cxnSp>
+            <p:nvCxnSpPr>
+              <p:cNvPr id="303" name="Straight Connector 302">
+                <a:extLst>
+                  <a:ext uri="{FF2B5EF4-FFF2-40B4-BE49-F238E27FC236}">
+                    <a16:creationId xmlns:a16="http://schemas.microsoft.com/office/drawing/2014/main" id="{00F955D7-6A3B-8B74-AC04-0C674F4B4BEC}"/>
+                  </a:ext>
+                </a:extLst>
+              </p:cNvPr>
+              <p:cNvCxnSpPr>
+                <a:cxnSpLocks/>
+              </p:cNvCxnSpPr>
+              <p:nvPr/>
+            </p:nvCxnSpPr>
+            <p:spPr>
+              <a:xfrm>
+                <a:off x="893379" y="4835251"/>
+                <a:ext cx="0" cy="651149"/>
+              </a:xfrm>
+              <a:prstGeom prst="line">
+                <a:avLst/>
+              </a:prstGeom>
+              <a:ln>
+                <a:solidFill>
+                  <a:schemeClr val="tx1">
+                    <a:lumMod val="50000"/>
+                    <a:lumOff val="50000"/>
+                  </a:schemeClr>
+                </a:solidFill>
+              </a:ln>
+            </p:spPr>
+            <p:style>
+              <a:lnRef idx="1">
+                <a:schemeClr val="accent1"/>
+              </a:lnRef>
+              <a:fillRef idx="0">
+                <a:schemeClr val="accent1"/>
+              </a:fillRef>
+              <a:effectRef idx="0">
+                <a:schemeClr val="accent1"/>
+              </a:effectRef>
+              <a:fontRef idx="minor">
+                <a:schemeClr val="tx1"/>
+              </a:fontRef>
+            </p:style>
+          </p:cxnSp>
+          <p:cxnSp>
+            <p:nvCxnSpPr>
+              <p:cNvPr id="304" name="Straight Connector 303">
+                <a:extLst>
+                  <a:ext uri="{FF2B5EF4-FFF2-40B4-BE49-F238E27FC236}">
+                    <a16:creationId xmlns:a16="http://schemas.microsoft.com/office/drawing/2014/main" id="{2C6EA83A-F290-66E8-5C77-349BDE8061F8}"/>
+                  </a:ext>
+                </a:extLst>
+              </p:cNvPr>
+              <p:cNvCxnSpPr>
+                <a:cxnSpLocks/>
+              </p:cNvCxnSpPr>
+              <p:nvPr/>
+            </p:nvCxnSpPr>
+            <p:spPr>
+              <a:xfrm>
+                <a:off x="893379" y="5486400"/>
+                <a:ext cx="651149" cy="0"/>
+              </a:xfrm>
+              <a:prstGeom prst="line">
+                <a:avLst/>
+              </a:prstGeom>
+              <a:ln>
+                <a:solidFill>
+                  <a:schemeClr val="tx1">
+                    <a:lumMod val="50000"/>
+                    <a:lumOff val="50000"/>
+                  </a:schemeClr>
+                </a:solidFill>
+              </a:ln>
+            </p:spPr>
+            <p:style>
+              <a:lnRef idx="1">
+                <a:schemeClr val="accent1"/>
+              </a:lnRef>
+              <a:fillRef idx="0">
+                <a:schemeClr val="accent1"/>
+              </a:fillRef>
+              <a:effectRef idx="0">
+                <a:schemeClr val="accent1"/>
+              </a:effectRef>
+              <a:fontRef idx="minor">
+                <a:schemeClr val="tx1"/>
+              </a:fontRef>
+            </p:style>
+          </p:cxnSp>
+        </p:grpSp>
         <p:sp>
           <p:nvSpPr>
-            <p:cNvPr id="292" name="TextBox 291">
+            <p:cNvPr id="301" name="TextBox 300">
               <a:extLst>
                 <a:ext uri="{FF2B5EF4-FFF2-40B4-BE49-F238E27FC236}">
-                  <a16:creationId xmlns:a16="http://schemas.microsoft.com/office/drawing/2014/main" id="{4B636DC4-AD54-4B54-3FA2-CC09BE0AC012}"/>
+                  <a16:creationId xmlns:a16="http://schemas.microsoft.com/office/drawing/2014/main" id="{D934E163-F042-3BB3-80E8-8935439A5DB0}"/>
                 </a:ext>
               </a:extLst>
             </p:cNvPr>
@@ -10429,9 +10927,9 @@
             <p:nvPr/>
           </p:nvSpPr>
           <p:spPr>
-            <a:xfrm rot="16200000">
-              <a:off x="264818" y="6672634"/>
-              <a:ext cx="1577483" cy="598177"/>
+            <a:xfrm>
+              <a:off x="3604263" y="5839802"/>
+              <a:ext cx="667310" cy="307248"/>
             </a:xfrm>
             <a:prstGeom prst="rect">
               <a:avLst/>
@@ -10439,7 +10937,7 @@
             <a:noFill/>
           </p:spPr>
           <p:txBody>
-            <a:bodyPr wrap="none" rtlCol="0">
+            <a:bodyPr wrap="square" rtlCol="0">
               <a:spAutoFit/>
             </a:bodyPr>
             <a:lstStyle/>
@@ -10457,9 +10955,8 @@
                       <a:lumOff val="25000"/>
                     </a:schemeClr>
                   </a:solidFill>
-                  <a:latin typeface="+mj-lt"/>
                 </a:rPr>
-                <a:t>Probability of </a:t>
+                <a:t>Sampling</a:t>
               </a:r>
             </a:p>
             <a:p>
@@ -10476,60 +10973,172 @@
                       <a:lumOff val="25000"/>
                     </a:schemeClr>
                   </a:solidFill>
-                  <a:latin typeface="+mj-lt"/>
                 </a:rPr>
-                <a:t>Sampling at </a:t>
-              </a:r>
-            </a:p>
-            <a:p>
-              <a:pPr algn="ctr">
-                <a:lnSpc>
-                  <a:spcPts val="1300"/>
-                </a:lnSpc>
-              </a:pPr>
-              <a:r>
-                <a:rPr lang="en-US" sz="1400" dirty="0">
-                  <a:solidFill>
-                    <a:schemeClr val="tx1">
-                      <a:lumMod val="75000"/>
-                      <a:lumOff val="25000"/>
-                    </a:schemeClr>
-                  </a:solidFill>
-                  <a:latin typeface="+mj-lt"/>
-                </a:rPr>
-                <a:t>wind energy facility</a:t>
+                <a:t>latitude</a:t>
               </a:r>
             </a:p>
           </p:txBody>
         </p:sp>
-        <p:grpSp>
-          <p:nvGrpSpPr>
-            <p:cNvPr id="293" name="Group 292">
+        <p:cxnSp>
+          <p:nvCxnSpPr>
+            <p:cNvPr id="302" name="Straight Connector 301">
               <a:extLst>
                 <a:ext uri="{FF2B5EF4-FFF2-40B4-BE49-F238E27FC236}">
-                  <a16:creationId xmlns:a16="http://schemas.microsoft.com/office/drawing/2014/main" id="{94A569B9-A86A-E16C-BF8D-4E31A8800607}"/>
+                  <a16:creationId xmlns:a16="http://schemas.microsoft.com/office/drawing/2014/main" id="{2EB8766B-B206-F376-C409-5F5BC9716DC8}"/>
                 </a:ext>
               </a:extLst>
             </p:cNvPr>
-            <p:cNvGrpSpPr>
-              <a:grpSpLocks noChangeAspect="1"/>
-            </p:cNvGrpSpPr>
+            <p:cNvCxnSpPr>
+              <a:cxnSpLocks/>
+            </p:cNvCxnSpPr>
+            <p:nvPr/>
+          </p:nvCxnSpPr>
+          <p:spPr>
+            <a:xfrm>
+              <a:off x="3676126" y="5241408"/>
+              <a:ext cx="520919" cy="522007"/>
+            </a:xfrm>
+            <a:prstGeom prst="line">
+              <a:avLst/>
+            </a:prstGeom>
+            <a:ln w="28575">
+              <a:solidFill>
+                <a:schemeClr val="tx1">
+                  <a:lumMod val="50000"/>
+                  <a:lumOff val="50000"/>
+                </a:schemeClr>
+              </a:solidFill>
+            </a:ln>
+          </p:spPr>
+          <p:style>
+            <a:lnRef idx="1">
+              <a:schemeClr val="accent1"/>
+            </a:lnRef>
+            <a:fillRef idx="0">
+              <a:schemeClr val="accent1"/>
+            </a:fillRef>
+            <a:effectRef idx="0">
+              <a:schemeClr val="accent1"/>
+            </a:effectRef>
+            <a:fontRef idx="minor">
+              <a:schemeClr val="tx1"/>
+            </a:fontRef>
+          </p:style>
+        </p:cxnSp>
+      </p:grpSp>
+      <p:sp>
+        <p:nvSpPr>
+          <p:cNvPr id="291" name="TextBox 290">
+            <a:extLst>
+              <a:ext uri="{FF2B5EF4-FFF2-40B4-BE49-F238E27FC236}">
+                <a16:creationId xmlns:a16="http://schemas.microsoft.com/office/drawing/2014/main" id="{CB076DF6-37B9-DD83-E578-29F085D60F21}"/>
+              </a:ext>
+            </a:extLst>
+          </p:cNvPr>
+          <p:cNvSpPr txBox="1"/>
+          <p:nvPr/>
+        </p:nvSpPr>
+        <p:spPr>
+          <a:xfrm rot="16200000">
+            <a:off x="3433042" y="5081008"/>
+            <a:ext cx="1740862" cy="431465"/>
+          </a:xfrm>
+          <a:prstGeom prst="rect">
+            <a:avLst/>
+          </a:prstGeom>
+          <a:noFill/>
+        </p:spPr>
+        <p:txBody>
+          <a:bodyPr wrap="none" rtlCol="0">
+            <a:spAutoFit/>
+          </a:bodyPr>
+          <a:lstStyle/>
+          <a:p>
+            <a:pPr algn="ctr">
+              <a:lnSpc>
+                <a:spcPts val="1300"/>
+              </a:lnSpc>
+            </a:pPr>
+            <a:r>
+              <a:rPr lang="en-US" sz="1400" dirty="0">
+                <a:solidFill>
+                  <a:schemeClr val="tx1">
+                    <a:lumMod val="75000"/>
+                    <a:lumOff val="25000"/>
+                  </a:schemeClr>
+                </a:solidFill>
+              </a:rPr>
+              <a:t>Direction of travel</a:t>
+            </a:r>
+          </a:p>
+          <a:p>
+            <a:pPr algn="ctr">
+              <a:lnSpc>
+                <a:spcPts val="1300"/>
+              </a:lnSpc>
+            </a:pPr>
+            <a:r>
+              <a:rPr lang="en-US" sz="1400" dirty="0">
+                <a:solidFill>
+                  <a:schemeClr val="tx1">
+                    <a:lumMod val="75000"/>
+                    <a:lumOff val="25000"/>
+                  </a:schemeClr>
+                </a:solidFill>
+              </a:rPr>
+              <a:t>from summer habitat</a:t>
+            </a:r>
+          </a:p>
+        </p:txBody>
+      </p:sp>
+      <p:grpSp>
+        <p:nvGrpSpPr>
+          <p:cNvPr id="305" name="Group 304">
+            <a:extLst>
+              <a:ext uri="{FF2B5EF4-FFF2-40B4-BE49-F238E27FC236}">
+                <a16:creationId xmlns:a16="http://schemas.microsoft.com/office/drawing/2014/main" id="{3585CEAA-7864-503C-B460-8F11BFD5CF77}"/>
+              </a:ext>
+            </a:extLst>
+          </p:cNvPr>
+          <p:cNvGrpSpPr>
+            <a:grpSpLocks noChangeAspect="1"/>
+          </p:cNvGrpSpPr>
+          <p:nvPr/>
+        </p:nvGrpSpPr>
+        <p:grpSpPr>
+          <a:xfrm>
+            <a:off x="4577721" y="4805159"/>
+            <a:ext cx="1007905" cy="1299364"/>
+            <a:chOff x="1103633" y="7226656"/>
+            <a:chExt cx="780778" cy="1006558"/>
+          </a:xfrm>
+        </p:grpSpPr>
+        <p:grpSp>
+          <p:nvGrpSpPr>
+            <p:cNvPr id="306" name="Group 305">
+              <a:extLst>
+                <a:ext uri="{FF2B5EF4-FFF2-40B4-BE49-F238E27FC236}">
+                  <a16:creationId xmlns:a16="http://schemas.microsoft.com/office/drawing/2014/main" id="{5316513B-595A-0CDA-FD98-5A4C35D7A4A7}"/>
+                </a:ext>
+              </a:extLst>
+            </p:cNvPr>
+            <p:cNvGrpSpPr/>
             <p:nvPr/>
           </p:nvGrpSpPr>
           <p:grpSpPr>
             <a:xfrm>
-              <a:off x="1448647" y="4657757"/>
-              <a:ext cx="924368" cy="1362470"/>
-              <a:chOff x="1114639" y="5163687"/>
-              <a:chExt cx="670067" cy="987647"/>
+              <a:off x="1103633" y="7226656"/>
+              <a:ext cx="780778" cy="1006558"/>
+              <a:chOff x="1103633" y="7226656"/>
+              <a:chExt cx="780778" cy="1006558"/>
             </a:xfrm>
           </p:grpSpPr>
           <p:grpSp>
             <p:nvGrpSpPr>
-              <p:cNvPr id="294" name="Group 293">
+              <p:cNvPr id="308" name="Group 307">
                 <a:extLst>
                   <a:ext uri="{FF2B5EF4-FFF2-40B4-BE49-F238E27FC236}">
-                    <a16:creationId xmlns:a16="http://schemas.microsoft.com/office/drawing/2014/main" id="{102416D4-0F1A-ECAC-F246-EDC48F1FCCB7}"/>
+                    <a16:creationId xmlns:a16="http://schemas.microsoft.com/office/drawing/2014/main" id="{5DF3DD97-DB34-7AAC-333F-A86C7FF223C9}"/>
                   </a:ext>
                 </a:extLst>
               </p:cNvPr>
@@ -10538,30 +11147,28 @@
             </p:nvGrpSpPr>
             <p:grpSpPr>
               <a:xfrm>
-                <a:off x="1114639" y="5163687"/>
-                <a:ext cx="662842" cy="664299"/>
-                <a:chOff x="891077" y="4822101"/>
-                <a:chExt cx="662842" cy="664299"/>
+                <a:off x="1134031" y="7226656"/>
+                <a:ext cx="685800" cy="683172"/>
+                <a:chOff x="893379" y="4803228"/>
+                <a:chExt cx="685800" cy="683172"/>
               </a:xfrm>
             </p:grpSpPr>
             <p:cxnSp>
               <p:nvCxnSpPr>
-                <p:cNvPr id="297" name="Straight Connector 296">
+                <p:cNvPr id="311" name="Straight Connector 310">
                   <a:extLst>
                     <a:ext uri="{FF2B5EF4-FFF2-40B4-BE49-F238E27FC236}">
-                      <a16:creationId xmlns:a16="http://schemas.microsoft.com/office/drawing/2014/main" id="{8F322931-1C01-1274-D1CD-2BEB56EBBC6F}"/>
+                      <a16:creationId xmlns:a16="http://schemas.microsoft.com/office/drawing/2014/main" id="{CCE23BDD-F993-A90C-7FE1-C07AC4729350}"/>
                     </a:ext>
                   </a:extLst>
                 </p:cNvPr>
-                <p:cNvCxnSpPr>
-                  <a:cxnSpLocks noChangeAspect="1"/>
-                </p:cNvCxnSpPr>
+                <p:cNvCxnSpPr/>
                 <p:nvPr/>
               </p:nvCxnSpPr>
               <p:spPr>
                 <a:xfrm>
-                  <a:off x="893379" y="4822101"/>
-                  <a:ext cx="0" cy="662842"/>
+                  <a:off x="893379" y="4803228"/>
+                  <a:ext cx="0" cy="683172"/>
                 </a:xfrm>
                 <a:prstGeom prst="line">
                   <a:avLst/>
@@ -10592,10 +11199,10 @@
             </p:cxnSp>
             <p:cxnSp>
               <p:nvCxnSpPr>
-                <p:cNvPr id="298" name="Straight Connector 297">
+                <p:cNvPr id="312" name="Straight Connector 311">
                   <a:extLst>
                     <a:ext uri="{FF2B5EF4-FFF2-40B4-BE49-F238E27FC236}">
-                      <a16:creationId xmlns:a16="http://schemas.microsoft.com/office/drawing/2014/main" id="{1F6B719C-1980-FEC2-752B-B30C6F91276B}"/>
+                      <a16:creationId xmlns:a16="http://schemas.microsoft.com/office/drawing/2014/main" id="{99E97ADD-7B45-8ECF-2A95-9C0BA8DB8048}"/>
                     </a:ext>
                   </a:extLst>
                 </p:cNvPr>
@@ -10606,8 +11213,8 @@
               </p:nvCxnSpPr>
               <p:spPr>
                 <a:xfrm>
-                  <a:off x="891077" y="5486400"/>
-                  <a:ext cx="662842" cy="0"/>
+                  <a:off x="893379" y="5486400"/>
+                  <a:ext cx="685800" cy="0"/>
                 </a:xfrm>
                 <a:prstGeom prst="line">
                   <a:avLst/>
@@ -10639,10 +11246,10 @@
           </p:grpSp>
           <p:sp>
             <p:nvSpPr>
-              <p:cNvPr id="295" name="TextBox 294">
+              <p:cNvPr id="309" name="TextBox 308">
                 <a:extLst>
                   <a:ext uri="{FF2B5EF4-FFF2-40B4-BE49-F238E27FC236}">
-                    <a16:creationId xmlns:a16="http://schemas.microsoft.com/office/drawing/2014/main" id="{45EB0523-81A7-D505-8E09-49BF857DADBE}"/>
+                    <a16:creationId xmlns:a16="http://schemas.microsoft.com/office/drawing/2014/main" id="{32DEB311-51E6-65EE-E73D-26A06A5CE24C}"/>
                   </a:ext>
                 </a:extLst>
               </p:cNvPr>
@@ -10651,8 +11258,8 @@
             </p:nvSpPr>
             <p:spPr>
               <a:xfrm>
-                <a:off x="1117262" y="5838568"/>
-                <a:ext cx="667444" cy="312766"/>
+                <a:off x="1103633" y="8028123"/>
+                <a:ext cx="780778" cy="205091"/>
               </a:xfrm>
               <a:prstGeom prst="rect">
                 <a:avLst/>
@@ -10660,7 +11267,7 @@
               <a:noFill/>
             </p:spPr>
             <p:txBody>
-              <a:bodyPr wrap="square" rtlCol="0">
+              <a:bodyPr wrap="none" rtlCol="0">
                 <a:spAutoFit/>
               </a:bodyPr>
               <a:lstStyle/>
@@ -10678,240 +11285,95 @@
                         <a:lumOff val="25000"/>
                       </a:schemeClr>
                     </a:solidFill>
-                    <a:latin typeface="+mj-lt"/>
                   </a:rPr>
-                  <a:t>Summer</a:t>
-                </a:r>
-              </a:p>
-              <a:p>
-                <a:pPr algn="ctr">
-                  <a:lnSpc>
-                    <a:spcPts val="1300"/>
-                  </a:lnSpc>
-                </a:pPr>
-                <a:r>
-                  <a:rPr lang="en-US" sz="1400" dirty="0">
-                    <a:solidFill>
-                      <a:schemeClr val="tx1">
-                        <a:lumMod val="75000"/>
-                        <a:lumOff val="25000"/>
-                      </a:schemeClr>
-                    </a:solidFill>
-                    <a:latin typeface="+mj-lt"/>
-                  </a:rPr>
-                  <a:t>latitude</a:t>
+                  <a:t>Day of year</a:t>
                 </a:r>
               </a:p>
             </p:txBody>
           </p:sp>
-          <p:cxnSp>
-            <p:nvCxnSpPr>
-              <p:cNvPr id="296" name="Straight Connector 295">
+          <p:sp>
+            <p:nvSpPr>
+              <p:cNvPr id="310" name="Freeform 309">
                 <a:extLst>
                   <a:ext uri="{FF2B5EF4-FFF2-40B4-BE49-F238E27FC236}">
-                    <a16:creationId xmlns:a16="http://schemas.microsoft.com/office/drawing/2014/main" id="{6139C918-A676-CE4D-5965-7632BC1564B0}"/>
+                    <a16:creationId xmlns:a16="http://schemas.microsoft.com/office/drawing/2014/main" id="{A48EF33A-F067-930F-176C-B201F32637B0}"/>
                   </a:ext>
                 </a:extLst>
               </p:cNvPr>
-              <p:cNvCxnSpPr>
-                <a:cxnSpLocks/>
-              </p:cNvCxnSpPr>
+              <p:cNvSpPr/>
               <p:nvPr/>
-            </p:nvCxnSpPr>
+            </p:nvSpPr>
             <p:spPr>
-              <a:xfrm flipV="1">
-                <a:off x="1180923" y="5229971"/>
-                <a:ext cx="530273" cy="530275"/>
+              <a:xfrm>
+                <a:off x="1198289" y="7271135"/>
+                <a:ext cx="541538" cy="497155"/>
               </a:xfrm>
-              <a:prstGeom prst="line">
+              <a:custGeom>
                 <a:avLst/>
-              </a:prstGeom>
+                <a:gdLst>
+                  <a:gd name="connsiteX0" fmla="*/ 0 w 541538"/>
+                  <a:gd name="connsiteY0" fmla="*/ 0 h 497155"/>
+                  <a:gd name="connsiteX1" fmla="*/ 275208 w 541538"/>
+                  <a:gd name="connsiteY1" fmla="*/ 497149 h 497155"/>
+                  <a:gd name="connsiteX2" fmla="*/ 541538 w 541538"/>
+                  <a:gd name="connsiteY2" fmla="*/ 8878 h 497155"/>
+                </a:gdLst>
+                <a:ahLst/>
+                <a:cxnLst>
+                  <a:cxn ang="0">
+                    <a:pos x="connsiteX0" y="connsiteY0"/>
+                  </a:cxn>
+                  <a:cxn ang="0">
+                    <a:pos x="connsiteX1" y="connsiteY1"/>
+                  </a:cxn>
+                  <a:cxn ang="0">
+                    <a:pos x="connsiteX2" y="connsiteY2"/>
+                  </a:cxn>
+                </a:cxnLst>
+                <a:rect l="l" t="t" r="r" b="b"/>
+                <a:pathLst>
+                  <a:path w="541538" h="497155">
+                    <a:moveTo>
+                      <a:pt x="0" y="0"/>
+                    </a:moveTo>
+                    <a:cubicBezTo>
+                      <a:pt x="92476" y="247834"/>
+                      <a:pt x="184952" y="495669"/>
+                      <a:pt x="275208" y="497149"/>
+                    </a:cubicBezTo>
+                    <a:cubicBezTo>
+                      <a:pt x="365464" y="498629"/>
+                      <a:pt x="453501" y="253753"/>
+                      <a:pt x="541538" y="8878"/>
+                    </a:cubicBezTo>
+                  </a:path>
+                </a:pathLst>
+              </a:custGeom>
+              <a:noFill/>
               <a:ln w="28575">
                 <a:solidFill>
-                  <a:schemeClr val="tx1">
-                    <a:lumMod val="50000"/>
-                    <a:lumOff val="50000"/>
-                  </a:schemeClr>
+                  <a:srgbClr val="0EB8C5"/>
                 </a:solidFill>
               </a:ln>
             </p:spPr>
             <p:style>
-              <a:lnRef idx="1">
-                <a:schemeClr val="accent1"/>
+              <a:lnRef idx="2">
+                <a:schemeClr val="accent1">
+                  <a:shade val="15000"/>
+                </a:schemeClr>
               </a:lnRef>
-              <a:fillRef idx="0">
+              <a:fillRef idx="1">
                 <a:schemeClr val="accent1"/>
               </a:fillRef>
               <a:effectRef idx="0">
                 <a:schemeClr val="accent1"/>
               </a:effectRef>
               <a:fontRef idx="minor">
-                <a:schemeClr val="tx1"/>
+                <a:schemeClr val="lt1"/>
               </a:fontRef>
             </p:style>
-          </p:cxnSp>
-        </p:grpSp>
-        <p:grpSp>
-          <p:nvGrpSpPr>
-            <p:cNvPr id="299" name="Group 298">
-              <a:extLst>
-                <a:ext uri="{FF2B5EF4-FFF2-40B4-BE49-F238E27FC236}">
-                  <a16:creationId xmlns:a16="http://schemas.microsoft.com/office/drawing/2014/main" id="{075BDDEF-A8C0-A4E3-9673-B5D3BF4D6A24}"/>
-                </a:ext>
-              </a:extLst>
-            </p:cNvPr>
-            <p:cNvGrpSpPr>
-              <a:grpSpLocks noChangeAspect="1"/>
-            </p:cNvGrpSpPr>
-            <p:nvPr/>
-          </p:nvGrpSpPr>
-          <p:grpSpPr>
-            <a:xfrm>
-              <a:off x="2781303" y="4686378"/>
-              <a:ext cx="937095" cy="1362458"/>
-              <a:chOff x="3604263" y="5176837"/>
-              <a:chExt cx="667310" cy="970213"/>
-            </a:xfrm>
-          </p:grpSpPr>
-          <p:grpSp>
-            <p:nvGrpSpPr>
-              <p:cNvPr id="300" name="Group 299">
-                <a:extLst>
-                  <a:ext uri="{FF2B5EF4-FFF2-40B4-BE49-F238E27FC236}">
-                    <a16:creationId xmlns:a16="http://schemas.microsoft.com/office/drawing/2014/main" id="{1167B685-D45E-FF47-9853-362C83FDD8B0}"/>
-                  </a:ext>
-                </a:extLst>
-              </p:cNvPr>
-              <p:cNvGrpSpPr/>
-              <p:nvPr/>
-            </p:nvGrpSpPr>
-            <p:grpSpPr>
-              <a:xfrm>
-                <a:off x="3611011" y="5176837"/>
-                <a:ext cx="651149" cy="651149"/>
-                <a:chOff x="893379" y="4835251"/>
-                <a:chExt cx="651149" cy="651149"/>
-              </a:xfrm>
-            </p:grpSpPr>
-            <p:cxnSp>
-              <p:nvCxnSpPr>
-                <p:cNvPr id="303" name="Straight Connector 302">
-                  <a:extLst>
-                    <a:ext uri="{FF2B5EF4-FFF2-40B4-BE49-F238E27FC236}">
-                      <a16:creationId xmlns:a16="http://schemas.microsoft.com/office/drawing/2014/main" id="{00F955D7-6A3B-8B74-AC04-0C674F4B4BEC}"/>
-                    </a:ext>
-                  </a:extLst>
-                </p:cNvPr>
-                <p:cNvCxnSpPr>
-                  <a:cxnSpLocks/>
-                </p:cNvCxnSpPr>
-                <p:nvPr/>
-              </p:nvCxnSpPr>
-              <p:spPr>
-                <a:xfrm>
-                  <a:off x="893379" y="4835251"/>
-                  <a:ext cx="0" cy="651149"/>
-                </a:xfrm>
-                <a:prstGeom prst="line">
-                  <a:avLst/>
-                </a:prstGeom>
-                <a:ln>
-                  <a:solidFill>
-                    <a:schemeClr val="tx1">
-                      <a:lumMod val="50000"/>
-                      <a:lumOff val="50000"/>
-                    </a:schemeClr>
-                  </a:solidFill>
-                </a:ln>
-              </p:spPr>
-              <p:style>
-                <a:lnRef idx="1">
-                  <a:schemeClr val="accent1"/>
-                </a:lnRef>
-                <a:fillRef idx="0">
-                  <a:schemeClr val="accent1"/>
-                </a:fillRef>
-                <a:effectRef idx="0">
-                  <a:schemeClr val="accent1"/>
-                </a:effectRef>
-                <a:fontRef idx="minor">
-                  <a:schemeClr val="tx1"/>
-                </a:fontRef>
-              </p:style>
-            </p:cxnSp>
-            <p:cxnSp>
-              <p:nvCxnSpPr>
-                <p:cNvPr id="304" name="Straight Connector 303">
-                  <a:extLst>
-                    <a:ext uri="{FF2B5EF4-FFF2-40B4-BE49-F238E27FC236}">
-                      <a16:creationId xmlns:a16="http://schemas.microsoft.com/office/drawing/2014/main" id="{2C6EA83A-F290-66E8-5C77-349BDE8061F8}"/>
-                    </a:ext>
-                  </a:extLst>
-                </p:cNvPr>
-                <p:cNvCxnSpPr>
-                  <a:cxnSpLocks/>
-                </p:cNvCxnSpPr>
-                <p:nvPr/>
-              </p:nvCxnSpPr>
-              <p:spPr>
-                <a:xfrm>
-                  <a:off x="893379" y="5486400"/>
-                  <a:ext cx="651149" cy="0"/>
-                </a:xfrm>
-                <a:prstGeom prst="line">
-                  <a:avLst/>
-                </a:prstGeom>
-                <a:ln>
-                  <a:solidFill>
-                    <a:schemeClr val="tx1">
-                      <a:lumMod val="50000"/>
-                      <a:lumOff val="50000"/>
-                    </a:schemeClr>
-                  </a:solidFill>
-                </a:ln>
-              </p:spPr>
-              <p:style>
-                <a:lnRef idx="1">
-                  <a:schemeClr val="accent1"/>
-                </a:lnRef>
-                <a:fillRef idx="0">
-                  <a:schemeClr val="accent1"/>
-                </a:fillRef>
-                <a:effectRef idx="0">
-                  <a:schemeClr val="accent1"/>
-                </a:effectRef>
-                <a:fontRef idx="minor">
-                  <a:schemeClr val="tx1"/>
-                </a:fontRef>
-              </p:style>
-            </p:cxnSp>
-          </p:grpSp>
-          <p:sp>
-            <p:nvSpPr>
-              <p:cNvPr id="301" name="TextBox 300">
-                <a:extLst>
-                  <a:ext uri="{FF2B5EF4-FFF2-40B4-BE49-F238E27FC236}">
-                    <a16:creationId xmlns:a16="http://schemas.microsoft.com/office/drawing/2014/main" id="{D934E163-F042-3BB3-80E8-8935439A5DB0}"/>
-                  </a:ext>
-                </a:extLst>
-              </p:cNvPr>
-              <p:cNvSpPr txBox="1"/>
-              <p:nvPr/>
-            </p:nvSpPr>
-            <p:spPr>
-              <a:xfrm>
-                <a:off x="3604263" y="5839802"/>
-                <a:ext cx="667310" cy="307248"/>
-              </a:xfrm>
-              <a:prstGeom prst="rect">
-                <a:avLst/>
-              </a:prstGeom>
-              <a:noFill/>
-            </p:spPr>
             <p:txBody>
-              <a:bodyPr wrap="square" rtlCol="0">
-                <a:spAutoFit/>
-              </a:bodyPr>
+              <a:bodyPr rtlCol="0" anchor="ctr"/>
               <a:lstStyle/>
               <a:p>
                 <a:pPr algn="ctr">
@@ -10919,93 +11381,88 @@
                     <a:spcPts val="1300"/>
                   </a:lnSpc>
                 </a:pPr>
-                <a:r>
-                  <a:rPr lang="en-US" sz="1400" dirty="0">
-                    <a:solidFill>
-                      <a:schemeClr val="tx1">
-                        <a:lumMod val="75000"/>
-                        <a:lumOff val="25000"/>
-                      </a:schemeClr>
-                    </a:solidFill>
-                    <a:latin typeface="+mj-lt"/>
-                  </a:rPr>
-                  <a:t>Sampling</a:t>
-                </a:r>
-              </a:p>
-              <a:p>
-                <a:pPr algn="ctr">
-                  <a:lnSpc>
-                    <a:spcPts val="1300"/>
-                  </a:lnSpc>
-                </a:pPr>
-                <a:r>
-                  <a:rPr lang="en-US" sz="1400" dirty="0">
-                    <a:solidFill>
-                      <a:schemeClr val="tx1">
-                        <a:lumMod val="75000"/>
-                        <a:lumOff val="25000"/>
-                      </a:schemeClr>
-                    </a:solidFill>
-                    <a:latin typeface="+mj-lt"/>
-                  </a:rPr>
-                  <a:t>latitude</a:t>
-                </a:r>
+                <a:endParaRPr lang="en-US" dirty="0">
+                  <a:solidFill>
+                    <a:schemeClr val="tx1">
+                      <a:lumMod val="75000"/>
+                      <a:lumOff val="25000"/>
+                    </a:schemeClr>
+                  </a:solidFill>
+                </a:endParaRPr>
               </a:p>
             </p:txBody>
           </p:sp>
-          <p:cxnSp>
-            <p:nvCxnSpPr>
-              <p:cNvPr id="302" name="Straight Connector 301">
-                <a:extLst>
-                  <a:ext uri="{FF2B5EF4-FFF2-40B4-BE49-F238E27FC236}">
-                    <a16:creationId xmlns:a16="http://schemas.microsoft.com/office/drawing/2014/main" id="{2EB8766B-B206-F376-C409-5F5BC9716DC8}"/>
-                  </a:ext>
-                </a:extLst>
-              </p:cNvPr>
-              <p:cNvCxnSpPr>
-                <a:cxnSpLocks/>
-              </p:cNvCxnSpPr>
-              <p:nvPr/>
-            </p:nvCxnSpPr>
-            <p:spPr>
-              <a:xfrm>
-                <a:off x="3676126" y="5241408"/>
-                <a:ext cx="520919" cy="522007"/>
-              </a:xfrm>
-              <a:prstGeom prst="line">
-                <a:avLst/>
-              </a:prstGeom>
-              <a:ln w="28575">
-                <a:solidFill>
-                  <a:schemeClr val="tx1">
-                    <a:lumMod val="50000"/>
-                    <a:lumOff val="50000"/>
-                  </a:schemeClr>
-                </a:solidFill>
-              </a:ln>
-            </p:spPr>
-            <p:style>
-              <a:lnRef idx="1">
-                <a:schemeClr val="accent1"/>
-              </a:lnRef>
-              <a:fillRef idx="0">
-                <a:schemeClr val="accent1"/>
-              </a:fillRef>
-              <a:effectRef idx="0">
-                <a:schemeClr val="accent1"/>
-              </a:effectRef>
-              <a:fontRef idx="minor">
-                <a:schemeClr val="tx1"/>
-              </a:fontRef>
-            </p:style>
-          </p:cxnSp>
         </p:grpSp>
+        <p:cxnSp>
+          <p:nvCxnSpPr>
+            <p:cNvPr id="307" name="Straight Connector 306">
+              <a:extLst>
+                <a:ext uri="{FF2B5EF4-FFF2-40B4-BE49-F238E27FC236}">
+                  <a16:creationId xmlns:a16="http://schemas.microsoft.com/office/drawing/2014/main" id="{CA9344D7-4002-71D1-2E5A-45D241575D99}"/>
+                </a:ext>
+              </a:extLst>
+            </p:cNvPr>
+            <p:cNvCxnSpPr>
+              <a:cxnSpLocks/>
+            </p:cNvCxnSpPr>
+            <p:nvPr/>
+          </p:nvCxnSpPr>
+          <p:spPr>
+            <a:xfrm flipV="1">
+              <a:off x="1171156" y="7884142"/>
+              <a:ext cx="615099" cy="0"/>
+            </a:xfrm>
+            <a:prstGeom prst="line">
+              <a:avLst/>
+            </a:prstGeom>
+            <a:ln w="28575">
+              <a:solidFill>
+                <a:schemeClr val="accent6"/>
+              </a:solidFill>
+            </a:ln>
+          </p:spPr>
+          <p:style>
+            <a:lnRef idx="1">
+              <a:schemeClr val="accent1"/>
+            </a:lnRef>
+            <a:fillRef idx="0">
+              <a:schemeClr val="accent1"/>
+            </a:fillRef>
+            <a:effectRef idx="0">
+              <a:schemeClr val="accent1"/>
+            </a:effectRef>
+            <a:fontRef idx="minor">
+              <a:schemeClr val="tx1"/>
+            </a:fontRef>
+          </p:style>
+        </p:cxnSp>
+      </p:grpSp>
+      <p:grpSp>
+        <p:nvGrpSpPr>
+          <p:cNvPr id="313" name="Group 312">
+            <a:extLst>
+              <a:ext uri="{FF2B5EF4-FFF2-40B4-BE49-F238E27FC236}">
+                <a16:creationId xmlns:a16="http://schemas.microsoft.com/office/drawing/2014/main" id="{E3036FD8-2257-3146-C933-E673651878B9}"/>
+              </a:ext>
+            </a:extLst>
+          </p:cNvPr>
+          <p:cNvGrpSpPr/>
+          <p:nvPr/>
+        </p:nvGrpSpPr>
+        <p:grpSpPr>
+          <a:xfrm>
+            <a:off x="1558798" y="6599660"/>
+            <a:ext cx="930944" cy="1340882"/>
+            <a:chOff x="1184996" y="9220193"/>
+            <a:chExt cx="930944" cy="1340882"/>
+          </a:xfrm>
+        </p:grpSpPr>
         <p:sp>
           <p:nvSpPr>
-            <p:cNvPr id="291" name="TextBox 290">
+            <p:cNvPr id="314" name="TextBox 313">
               <a:extLst>
                 <a:ext uri="{FF2B5EF4-FFF2-40B4-BE49-F238E27FC236}">
-                  <a16:creationId xmlns:a16="http://schemas.microsoft.com/office/drawing/2014/main" id="{CB076DF6-37B9-DD83-E578-29F085D60F21}"/>
+                  <a16:creationId xmlns:a16="http://schemas.microsoft.com/office/drawing/2014/main" id="{12529705-11BA-E2C2-5FF9-207AC38186F2}"/>
                 </a:ext>
               </a:extLst>
             </p:cNvPr>
@@ -11013,9 +11470,9 @@
             <p:nvPr/>
           </p:nvSpPr>
           <p:spPr>
-            <a:xfrm rot="16200000">
-              <a:off x="3443237" y="4907582"/>
-              <a:ext cx="1720471" cy="431465"/>
+            <a:xfrm>
+              <a:off x="1184996" y="10129610"/>
+              <a:ext cx="919085" cy="431465"/>
             </a:xfrm>
             <a:prstGeom prst="rect">
               <a:avLst/>
@@ -11023,7 +11480,7 @@
             <a:noFill/>
           </p:spPr>
           <p:txBody>
-            <a:bodyPr wrap="none" rtlCol="0">
+            <a:bodyPr wrap="square" rtlCol="0">
               <a:spAutoFit/>
             </a:bodyPr>
             <a:lstStyle/>
@@ -11041,9 +11498,8 @@
                       <a:lumOff val="25000"/>
                     </a:schemeClr>
                   </a:solidFill>
-                  <a:latin typeface="+mj-lt"/>
                 </a:rPr>
-                <a:t>Direction of travel</a:t>
+                <a:t>Direction </a:t>
               </a:r>
             </a:p>
             <a:p>
@@ -11060,361 +11516,18 @@
                       <a:lumOff val="25000"/>
                     </a:schemeClr>
                   </a:solidFill>
-                  <a:latin typeface="+mj-lt"/>
                 </a:rPr>
-                <a:t>from summer habitat</a:t>
+                <a:t>of travel</a:t>
               </a:r>
             </a:p>
           </p:txBody>
         </p:sp>
         <p:grpSp>
           <p:nvGrpSpPr>
-            <p:cNvPr id="305" name="Group 304">
+            <p:cNvPr id="315" name="Group 314">
               <a:extLst>
                 <a:ext uri="{FF2B5EF4-FFF2-40B4-BE49-F238E27FC236}">
-                  <a16:creationId xmlns:a16="http://schemas.microsoft.com/office/drawing/2014/main" id="{3585CEAA-7864-503C-B460-8F11BFD5CF77}"/>
-                </a:ext>
-              </a:extLst>
-            </p:cNvPr>
-            <p:cNvGrpSpPr>
-              <a:grpSpLocks noChangeAspect="1"/>
-            </p:cNvGrpSpPr>
-            <p:nvPr/>
-          </p:nvGrpSpPr>
-          <p:grpSpPr>
-            <a:xfrm>
-              <a:off x="4441594" y="4631731"/>
-              <a:ext cx="1280160" cy="1376380"/>
-              <a:chOff x="998182" y="7226656"/>
-              <a:chExt cx="991682" cy="1066219"/>
-            </a:xfrm>
-          </p:grpSpPr>
-          <p:grpSp>
-            <p:nvGrpSpPr>
-              <p:cNvPr id="306" name="Group 305">
-                <a:extLst>
-                  <a:ext uri="{FF2B5EF4-FFF2-40B4-BE49-F238E27FC236}">
-                    <a16:creationId xmlns:a16="http://schemas.microsoft.com/office/drawing/2014/main" id="{5316513B-595A-0CDA-FD98-5A4C35D7A4A7}"/>
-                  </a:ext>
-                </a:extLst>
-              </p:cNvPr>
-              <p:cNvGrpSpPr/>
-              <p:nvPr/>
-            </p:nvGrpSpPr>
-            <p:grpSpPr>
-              <a:xfrm>
-                <a:off x="998182" y="7226656"/>
-                <a:ext cx="991682" cy="1066219"/>
-                <a:chOff x="998182" y="7226656"/>
-                <a:chExt cx="991682" cy="1066219"/>
-              </a:xfrm>
-            </p:grpSpPr>
-            <p:grpSp>
-              <p:nvGrpSpPr>
-                <p:cNvPr id="308" name="Group 307">
-                  <a:extLst>
-                    <a:ext uri="{FF2B5EF4-FFF2-40B4-BE49-F238E27FC236}">
-                      <a16:creationId xmlns:a16="http://schemas.microsoft.com/office/drawing/2014/main" id="{5DF3DD97-DB34-7AAC-333F-A86C7FF223C9}"/>
-                    </a:ext>
-                  </a:extLst>
-                </p:cNvPr>
-                <p:cNvGrpSpPr/>
-                <p:nvPr/>
-              </p:nvGrpSpPr>
-              <p:grpSpPr>
-                <a:xfrm>
-                  <a:off x="1134031" y="7226656"/>
-                  <a:ext cx="685800" cy="683172"/>
-                  <a:chOff x="893379" y="4803228"/>
-                  <a:chExt cx="685800" cy="683172"/>
-                </a:xfrm>
-              </p:grpSpPr>
-              <p:cxnSp>
-                <p:nvCxnSpPr>
-                  <p:cNvPr id="311" name="Straight Connector 310">
-                    <a:extLst>
-                      <a:ext uri="{FF2B5EF4-FFF2-40B4-BE49-F238E27FC236}">
-                        <a16:creationId xmlns:a16="http://schemas.microsoft.com/office/drawing/2014/main" id="{CCE23BDD-F993-A90C-7FE1-C07AC4729350}"/>
-                      </a:ext>
-                    </a:extLst>
-                  </p:cNvPr>
-                  <p:cNvCxnSpPr/>
-                  <p:nvPr/>
-                </p:nvCxnSpPr>
-                <p:spPr>
-                  <a:xfrm>
-                    <a:off x="893379" y="4803228"/>
-                    <a:ext cx="0" cy="683172"/>
-                  </a:xfrm>
-                  <a:prstGeom prst="line">
-                    <a:avLst/>
-                  </a:prstGeom>
-                  <a:ln>
-                    <a:solidFill>
-                      <a:schemeClr val="tx1">
-                        <a:lumMod val="50000"/>
-                        <a:lumOff val="50000"/>
-                      </a:schemeClr>
-                    </a:solidFill>
-                  </a:ln>
-                </p:spPr>
-                <p:style>
-                  <a:lnRef idx="1">
-                    <a:schemeClr val="accent1"/>
-                  </a:lnRef>
-                  <a:fillRef idx="0">
-                    <a:schemeClr val="accent1"/>
-                  </a:fillRef>
-                  <a:effectRef idx="0">
-                    <a:schemeClr val="accent1"/>
-                  </a:effectRef>
-                  <a:fontRef idx="minor">
-                    <a:schemeClr val="tx1"/>
-                  </a:fontRef>
-                </p:style>
-              </p:cxnSp>
-              <p:cxnSp>
-                <p:nvCxnSpPr>
-                  <p:cNvPr id="312" name="Straight Connector 311">
-                    <a:extLst>
-                      <a:ext uri="{FF2B5EF4-FFF2-40B4-BE49-F238E27FC236}">
-                        <a16:creationId xmlns:a16="http://schemas.microsoft.com/office/drawing/2014/main" id="{99E97ADD-7B45-8ECF-2A95-9C0BA8DB8048}"/>
-                      </a:ext>
-                    </a:extLst>
-                  </p:cNvPr>
-                  <p:cNvCxnSpPr>
-                    <a:cxnSpLocks/>
-                  </p:cNvCxnSpPr>
-                  <p:nvPr/>
-                </p:nvCxnSpPr>
-                <p:spPr>
-                  <a:xfrm>
-                    <a:off x="893379" y="5486400"/>
-                    <a:ext cx="685800" cy="0"/>
-                  </a:xfrm>
-                  <a:prstGeom prst="line">
-                    <a:avLst/>
-                  </a:prstGeom>
-                  <a:ln>
-                    <a:solidFill>
-                      <a:schemeClr val="tx1">
-                        <a:lumMod val="50000"/>
-                        <a:lumOff val="50000"/>
-                      </a:schemeClr>
-                    </a:solidFill>
-                  </a:ln>
-                </p:spPr>
-                <p:style>
-                  <a:lnRef idx="1">
-                    <a:schemeClr val="accent1"/>
-                  </a:lnRef>
-                  <a:fillRef idx="0">
-                    <a:schemeClr val="accent1"/>
-                  </a:fillRef>
-                  <a:effectRef idx="0">
-                    <a:schemeClr val="accent1"/>
-                  </a:effectRef>
-                  <a:fontRef idx="minor">
-                    <a:schemeClr val="tx1"/>
-                  </a:fontRef>
-                </p:style>
-              </p:cxnSp>
-            </p:grpSp>
-            <p:sp>
-              <p:nvSpPr>
-                <p:cNvPr id="309" name="TextBox 308">
-                  <a:extLst>
-                    <a:ext uri="{FF2B5EF4-FFF2-40B4-BE49-F238E27FC236}">
-                      <a16:creationId xmlns:a16="http://schemas.microsoft.com/office/drawing/2014/main" id="{32DEB311-51E6-65EE-E73D-26A06A5CE24C}"/>
-                    </a:ext>
-                  </a:extLst>
-                </p:cNvPr>
-                <p:cNvSpPr txBox="1"/>
-                <p:nvPr/>
-              </p:nvSpPr>
-              <p:spPr>
-                <a:xfrm>
-                  <a:off x="998182" y="8028123"/>
-                  <a:ext cx="991682" cy="264752"/>
-                </a:xfrm>
-                <a:prstGeom prst="rect">
-                  <a:avLst/>
-                </a:prstGeom>
-                <a:noFill/>
-              </p:spPr>
-              <p:txBody>
-                <a:bodyPr wrap="none" rtlCol="0">
-                  <a:spAutoFit/>
-                </a:bodyPr>
-                <a:lstStyle/>
-                <a:p>
-                  <a:pPr algn="ctr">
-                    <a:lnSpc>
-                      <a:spcPts val="1300"/>
-                    </a:lnSpc>
-                  </a:pPr>
-                  <a:r>
-                    <a:rPr lang="en-US" sz="1400" dirty="0">
-                      <a:solidFill>
-                        <a:schemeClr val="tx1">
-                          <a:lumMod val="75000"/>
-                          <a:lumOff val="25000"/>
-                        </a:schemeClr>
-                      </a:solidFill>
-                      <a:latin typeface="+mj-lt"/>
-                    </a:rPr>
-                    <a:t>Day of year</a:t>
-                  </a:r>
-                </a:p>
-              </p:txBody>
-            </p:sp>
-            <p:sp>
-              <p:nvSpPr>
-                <p:cNvPr id="310" name="Freeform 309">
-                  <a:extLst>
-                    <a:ext uri="{FF2B5EF4-FFF2-40B4-BE49-F238E27FC236}">
-                      <a16:creationId xmlns:a16="http://schemas.microsoft.com/office/drawing/2014/main" id="{A48EF33A-F067-930F-176C-B201F32637B0}"/>
-                    </a:ext>
-                  </a:extLst>
-                </p:cNvPr>
-                <p:cNvSpPr/>
-                <p:nvPr/>
-              </p:nvSpPr>
-              <p:spPr>
-                <a:xfrm>
-                  <a:off x="1198289" y="7271135"/>
-                  <a:ext cx="541538" cy="497155"/>
-                </a:xfrm>
-                <a:custGeom>
-                  <a:avLst/>
-                  <a:gdLst>
-                    <a:gd name="connsiteX0" fmla="*/ 0 w 541538"/>
-                    <a:gd name="connsiteY0" fmla="*/ 0 h 497155"/>
-                    <a:gd name="connsiteX1" fmla="*/ 275208 w 541538"/>
-                    <a:gd name="connsiteY1" fmla="*/ 497149 h 497155"/>
-                    <a:gd name="connsiteX2" fmla="*/ 541538 w 541538"/>
-                    <a:gd name="connsiteY2" fmla="*/ 8878 h 497155"/>
-                  </a:gdLst>
-                  <a:ahLst/>
-                  <a:cxnLst>
-                    <a:cxn ang="0">
-                      <a:pos x="connsiteX0" y="connsiteY0"/>
-                    </a:cxn>
-                    <a:cxn ang="0">
-                      <a:pos x="connsiteX1" y="connsiteY1"/>
-                    </a:cxn>
-                    <a:cxn ang="0">
-                      <a:pos x="connsiteX2" y="connsiteY2"/>
-                    </a:cxn>
-                  </a:cxnLst>
-                  <a:rect l="l" t="t" r="r" b="b"/>
-                  <a:pathLst>
-                    <a:path w="541538" h="497155">
-                      <a:moveTo>
-                        <a:pt x="0" y="0"/>
-                      </a:moveTo>
-                      <a:cubicBezTo>
-                        <a:pt x="92476" y="247834"/>
-                        <a:pt x="184952" y="495669"/>
-                        <a:pt x="275208" y="497149"/>
-                      </a:cubicBezTo>
-                      <a:cubicBezTo>
-                        <a:pt x="365464" y="498629"/>
-                        <a:pt x="453501" y="253753"/>
-                        <a:pt x="541538" y="8878"/>
-                      </a:cubicBezTo>
-                    </a:path>
-                  </a:pathLst>
-                </a:custGeom>
-                <a:noFill/>
-                <a:ln w="28575">
-                  <a:solidFill>
-                    <a:srgbClr val="0EB8C5"/>
-                  </a:solidFill>
-                </a:ln>
-              </p:spPr>
-              <p:style>
-                <a:lnRef idx="2">
-                  <a:schemeClr val="accent1">
-                    <a:shade val="15000"/>
-                  </a:schemeClr>
-                </a:lnRef>
-                <a:fillRef idx="1">
-                  <a:schemeClr val="accent1"/>
-                </a:fillRef>
-                <a:effectRef idx="0">
-                  <a:schemeClr val="accent1"/>
-                </a:effectRef>
-                <a:fontRef idx="minor">
-                  <a:schemeClr val="lt1"/>
-                </a:fontRef>
-              </p:style>
-              <p:txBody>
-                <a:bodyPr rtlCol="0" anchor="ctr"/>
-                <a:lstStyle/>
-                <a:p>
-                  <a:pPr algn="ctr">
-                    <a:lnSpc>
-                      <a:spcPts val="1300"/>
-                    </a:lnSpc>
-                  </a:pPr>
-                  <a:endParaRPr lang="en-US" dirty="0">
-                    <a:latin typeface="+mj-lt"/>
-                  </a:endParaRPr>
-                </a:p>
-              </p:txBody>
-            </p:sp>
-          </p:grpSp>
-          <p:cxnSp>
-            <p:nvCxnSpPr>
-              <p:cNvPr id="307" name="Straight Connector 306">
-                <a:extLst>
-                  <a:ext uri="{FF2B5EF4-FFF2-40B4-BE49-F238E27FC236}">
-                    <a16:creationId xmlns:a16="http://schemas.microsoft.com/office/drawing/2014/main" id="{CA9344D7-4002-71D1-2E5A-45D241575D99}"/>
-                  </a:ext>
-                </a:extLst>
-              </p:cNvPr>
-              <p:cNvCxnSpPr>
-                <a:cxnSpLocks/>
-              </p:cNvCxnSpPr>
-              <p:nvPr/>
-            </p:nvCxnSpPr>
-            <p:spPr>
-              <a:xfrm flipV="1">
-                <a:off x="1171156" y="7884142"/>
-                <a:ext cx="615099" cy="0"/>
-              </a:xfrm>
-              <a:prstGeom prst="line">
-                <a:avLst/>
-              </a:prstGeom>
-              <a:ln w="28575">
-                <a:solidFill>
-                  <a:schemeClr val="accent6"/>
-                </a:solidFill>
-              </a:ln>
-            </p:spPr>
-            <p:style>
-              <a:lnRef idx="1">
-                <a:schemeClr val="accent1"/>
-              </a:lnRef>
-              <a:fillRef idx="0">
-                <a:schemeClr val="accent1"/>
-              </a:fillRef>
-              <a:effectRef idx="0">
-                <a:schemeClr val="accent1"/>
-              </a:effectRef>
-              <a:fontRef idx="minor">
-                <a:schemeClr val="tx1"/>
-              </a:fontRef>
-            </p:style>
-          </p:cxnSp>
-        </p:grpSp>
-        <p:grpSp>
-          <p:nvGrpSpPr>
-            <p:cNvPr id="313" name="Group 312">
-              <a:extLst>
-                <a:ext uri="{FF2B5EF4-FFF2-40B4-BE49-F238E27FC236}">
-                  <a16:creationId xmlns:a16="http://schemas.microsoft.com/office/drawing/2014/main" id="{E3036FD8-2257-3146-C933-E673651878B9}"/>
+                  <a16:creationId xmlns:a16="http://schemas.microsoft.com/office/drawing/2014/main" id="{A558D176-663F-3737-50DF-F865CF04D5B7}"/>
                 </a:ext>
               </a:extLst>
             </p:cNvPr>
@@ -11423,85 +11536,18 @@
           </p:nvGrpSpPr>
           <p:grpSpPr>
             <a:xfrm>
-              <a:off x="1473070" y="6426234"/>
-              <a:ext cx="930944" cy="1340882"/>
-              <a:chOff x="1184996" y="9220193"/>
-              <a:chExt cx="930944" cy="1340882"/>
+              <a:off x="1201540" y="9220193"/>
+              <a:ext cx="914400" cy="914400"/>
+              <a:chOff x="1201540" y="9220193"/>
+              <a:chExt cx="914400" cy="914400"/>
             </a:xfrm>
           </p:grpSpPr>
-          <p:sp>
-            <p:nvSpPr>
-              <p:cNvPr id="314" name="TextBox 313">
+          <p:grpSp>
+            <p:nvGrpSpPr>
+              <p:cNvPr id="316" name="Group 315">
                 <a:extLst>
                   <a:ext uri="{FF2B5EF4-FFF2-40B4-BE49-F238E27FC236}">
-                    <a16:creationId xmlns:a16="http://schemas.microsoft.com/office/drawing/2014/main" id="{12529705-11BA-E2C2-5FF9-207AC38186F2}"/>
-                  </a:ext>
-                </a:extLst>
-              </p:cNvPr>
-              <p:cNvSpPr txBox="1"/>
-              <p:nvPr/>
-            </p:nvSpPr>
-            <p:spPr>
-              <a:xfrm>
-                <a:off x="1184996" y="10129610"/>
-                <a:ext cx="919085" cy="431465"/>
-              </a:xfrm>
-              <a:prstGeom prst="rect">
-                <a:avLst/>
-              </a:prstGeom>
-              <a:noFill/>
-            </p:spPr>
-            <p:txBody>
-              <a:bodyPr wrap="square" rtlCol="0">
-                <a:spAutoFit/>
-              </a:bodyPr>
-              <a:lstStyle/>
-              <a:p>
-                <a:pPr algn="ctr">
-                  <a:lnSpc>
-                    <a:spcPts val="1300"/>
-                  </a:lnSpc>
-                </a:pPr>
-                <a:r>
-                  <a:rPr lang="en-US" sz="1400" dirty="0">
-                    <a:solidFill>
-                      <a:schemeClr val="tx1">
-                        <a:lumMod val="75000"/>
-                        <a:lumOff val="25000"/>
-                      </a:schemeClr>
-                    </a:solidFill>
-                    <a:latin typeface="+mj-lt"/>
-                  </a:rPr>
-                  <a:t>Direction </a:t>
-                </a:r>
-              </a:p>
-              <a:p>
-                <a:pPr algn="ctr">
-                  <a:lnSpc>
-                    <a:spcPts val="1300"/>
-                  </a:lnSpc>
-                </a:pPr>
-                <a:r>
-                  <a:rPr lang="en-US" sz="1400" dirty="0">
-                    <a:solidFill>
-                      <a:schemeClr val="tx1">
-                        <a:lumMod val="75000"/>
-                        <a:lumOff val="25000"/>
-                      </a:schemeClr>
-                    </a:solidFill>
-                    <a:latin typeface="+mj-lt"/>
-                  </a:rPr>
-                  <a:t>of travel</a:t>
-                </a:r>
-              </a:p>
-            </p:txBody>
-          </p:sp>
-          <p:grpSp>
-            <p:nvGrpSpPr>
-              <p:cNvPr id="315" name="Group 314">
-                <a:extLst>
-                  <a:ext uri="{FF2B5EF4-FFF2-40B4-BE49-F238E27FC236}">
-                    <a16:creationId xmlns:a16="http://schemas.microsoft.com/office/drawing/2014/main" id="{A558D176-663F-3737-50DF-F865CF04D5B7}"/>
+                    <a16:creationId xmlns:a16="http://schemas.microsoft.com/office/drawing/2014/main" id="{F4BC0864-B9A4-C88F-BC86-51171DCB3341}"/>
                   </a:ext>
                 </a:extLst>
               </p:cNvPr>
@@ -11512,415 +11558,16 @@
               <a:xfrm>
                 <a:off x="1201540" y="9220193"/>
                 <a:ext cx="914400" cy="914400"/>
-                <a:chOff x="1201540" y="9220193"/>
-                <a:chExt cx="914400" cy="914400"/>
-              </a:xfrm>
-            </p:grpSpPr>
-            <p:grpSp>
-              <p:nvGrpSpPr>
-                <p:cNvPr id="316" name="Group 315">
-                  <a:extLst>
-                    <a:ext uri="{FF2B5EF4-FFF2-40B4-BE49-F238E27FC236}">
-                      <a16:creationId xmlns:a16="http://schemas.microsoft.com/office/drawing/2014/main" id="{F4BC0864-B9A4-C88F-BC86-51171DCB3341}"/>
-                    </a:ext>
-                  </a:extLst>
-                </p:cNvPr>
-                <p:cNvGrpSpPr/>
-                <p:nvPr/>
-              </p:nvGrpSpPr>
-              <p:grpSpPr>
-                <a:xfrm>
-                  <a:off x="1201540" y="9220193"/>
-                  <a:ext cx="914400" cy="914400"/>
-                  <a:chOff x="893379" y="4803228"/>
-                  <a:chExt cx="914400" cy="914400"/>
-                </a:xfrm>
-              </p:grpSpPr>
-              <p:cxnSp>
-                <p:nvCxnSpPr>
-                  <p:cNvPr id="323" name="Straight Connector 322">
-                    <a:extLst>
-                      <a:ext uri="{FF2B5EF4-FFF2-40B4-BE49-F238E27FC236}">
-                        <a16:creationId xmlns:a16="http://schemas.microsoft.com/office/drawing/2014/main" id="{5EB6971F-C132-5801-A1D6-2A80BF5852DD}"/>
-                      </a:ext>
-                    </a:extLst>
-                  </p:cNvPr>
-                  <p:cNvCxnSpPr>
-                    <a:cxnSpLocks/>
-                  </p:cNvCxnSpPr>
-                  <p:nvPr/>
-                </p:nvCxnSpPr>
-                <p:spPr>
-                  <a:xfrm>
-                    <a:off x="893379" y="4803228"/>
-                    <a:ext cx="0" cy="914400"/>
-                  </a:xfrm>
-                  <a:prstGeom prst="line">
-                    <a:avLst/>
-                  </a:prstGeom>
-                  <a:ln>
-                    <a:solidFill>
-                      <a:schemeClr val="tx1">
-                        <a:lumMod val="50000"/>
-                        <a:lumOff val="50000"/>
-                      </a:schemeClr>
-                    </a:solidFill>
-                  </a:ln>
-                </p:spPr>
-                <p:style>
-                  <a:lnRef idx="1">
-                    <a:schemeClr val="accent1"/>
-                  </a:lnRef>
-                  <a:fillRef idx="0">
-                    <a:schemeClr val="accent1"/>
-                  </a:fillRef>
-                  <a:effectRef idx="0">
-                    <a:schemeClr val="accent1"/>
-                  </a:effectRef>
-                  <a:fontRef idx="minor">
-                    <a:schemeClr val="tx1"/>
-                  </a:fontRef>
-                </p:style>
-              </p:cxnSp>
-              <p:cxnSp>
-                <p:nvCxnSpPr>
-                  <p:cNvPr id="324" name="Straight Connector 323">
-                    <a:extLst>
-                      <a:ext uri="{FF2B5EF4-FFF2-40B4-BE49-F238E27FC236}">
-                        <a16:creationId xmlns:a16="http://schemas.microsoft.com/office/drawing/2014/main" id="{89ADEFC3-EEB6-4CC7-7F7A-79BBD2936D82}"/>
-                      </a:ext>
-                    </a:extLst>
-                  </p:cNvPr>
-                  <p:cNvCxnSpPr>
-                    <a:cxnSpLocks/>
-                  </p:cNvCxnSpPr>
-                  <p:nvPr/>
-                </p:nvCxnSpPr>
-                <p:spPr>
-                  <a:xfrm>
-                    <a:off x="893379" y="5717628"/>
-                    <a:ext cx="914400" cy="0"/>
-                  </a:xfrm>
-                  <a:prstGeom prst="line">
-                    <a:avLst/>
-                  </a:prstGeom>
-                  <a:ln>
-                    <a:solidFill>
-                      <a:schemeClr val="tx1">
-                        <a:lumMod val="50000"/>
-                        <a:lumOff val="50000"/>
-                      </a:schemeClr>
-                    </a:solidFill>
-                  </a:ln>
-                </p:spPr>
-                <p:style>
-                  <a:lnRef idx="1">
-                    <a:schemeClr val="accent1"/>
-                  </a:lnRef>
-                  <a:fillRef idx="0">
-                    <a:schemeClr val="accent1"/>
-                  </a:fillRef>
-                  <a:effectRef idx="0">
-                    <a:schemeClr val="accent1"/>
-                  </a:effectRef>
-                  <a:fontRef idx="minor">
-                    <a:schemeClr val="tx1"/>
-                  </a:fontRef>
-                </p:style>
-              </p:cxnSp>
-            </p:grpSp>
-            <p:grpSp>
-              <p:nvGrpSpPr>
-                <p:cNvPr id="317" name="Group 316">
-                  <a:extLst>
-                    <a:ext uri="{FF2B5EF4-FFF2-40B4-BE49-F238E27FC236}">
-                      <a16:creationId xmlns:a16="http://schemas.microsoft.com/office/drawing/2014/main" id="{DD0B2A05-2A94-0331-5C0F-A216E5BD9277}"/>
-                    </a:ext>
-                  </a:extLst>
-                </p:cNvPr>
-                <p:cNvGrpSpPr/>
-                <p:nvPr/>
-              </p:nvGrpSpPr>
-              <p:grpSpPr>
-                <a:xfrm>
-                  <a:off x="1342194" y="9509125"/>
-                  <a:ext cx="81691" cy="327025"/>
-                  <a:chOff x="1342194" y="9509125"/>
-                  <a:chExt cx="81691" cy="327025"/>
-                </a:xfrm>
-              </p:grpSpPr>
-              <p:cxnSp>
-                <p:nvCxnSpPr>
-                  <p:cNvPr id="321" name="Straight Connector 320">
-                    <a:extLst>
-                      <a:ext uri="{FF2B5EF4-FFF2-40B4-BE49-F238E27FC236}">
-                        <a16:creationId xmlns:a16="http://schemas.microsoft.com/office/drawing/2014/main" id="{568DC6AA-E713-84C6-7880-1CE9FEF56F5C}"/>
-                      </a:ext>
-                    </a:extLst>
-                  </p:cNvPr>
-                  <p:cNvCxnSpPr>
-                    <a:cxnSpLocks/>
-                  </p:cNvCxnSpPr>
-                  <p:nvPr/>
-                </p:nvCxnSpPr>
-                <p:spPr>
-                  <a:xfrm>
-                    <a:off x="1383409" y="9509125"/>
-                    <a:ext cx="0" cy="327025"/>
-                  </a:xfrm>
-                  <a:prstGeom prst="line">
-                    <a:avLst/>
-                  </a:prstGeom>
-                  <a:ln w="28575">
-                    <a:solidFill>
-                      <a:srgbClr val="0EB8C5"/>
-                    </a:solidFill>
-                  </a:ln>
-                </p:spPr>
-                <p:style>
-                  <a:lnRef idx="1">
-                    <a:schemeClr val="accent1"/>
-                  </a:lnRef>
-                  <a:fillRef idx="0">
-                    <a:schemeClr val="accent1"/>
-                  </a:fillRef>
-                  <a:effectRef idx="0">
-                    <a:schemeClr val="accent1"/>
-                  </a:effectRef>
-                  <a:fontRef idx="minor">
-                    <a:schemeClr val="tx1"/>
-                  </a:fontRef>
-                </p:style>
-              </p:cxnSp>
-              <p:sp>
-                <p:nvSpPr>
-                  <p:cNvPr id="322" name="Oval 321">
-                    <a:extLst>
-                      <a:ext uri="{FF2B5EF4-FFF2-40B4-BE49-F238E27FC236}">
-                        <a16:creationId xmlns:a16="http://schemas.microsoft.com/office/drawing/2014/main" id="{7C6D5502-5670-25AC-64EA-E2EA7E3F56F9}"/>
-                      </a:ext>
-                    </a:extLst>
-                  </p:cNvPr>
-                  <p:cNvSpPr/>
-                  <p:nvPr/>
-                </p:nvSpPr>
-                <p:spPr>
-                  <a:xfrm>
-                    <a:off x="1342194" y="9633777"/>
-                    <a:ext cx="81691" cy="89983"/>
-                  </a:xfrm>
-                  <a:prstGeom prst="ellipse">
-                    <a:avLst/>
-                  </a:prstGeom>
-                  <a:solidFill>
-                    <a:srgbClr val="0EB8C5"/>
-                  </a:solidFill>
-                  <a:ln>
-                    <a:noFill/>
-                  </a:ln>
-                </p:spPr>
-                <p:style>
-                  <a:lnRef idx="2">
-                    <a:schemeClr val="accent1">
-                      <a:shade val="15000"/>
-                    </a:schemeClr>
-                  </a:lnRef>
-                  <a:fillRef idx="1">
-                    <a:schemeClr val="accent1"/>
-                  </a:fillRef>
-                  <a:effectRef idx="0">
-                    <a:schemeClr val="accent1"/>
-                  </a:effectRef>
-                  <a:fontRef idx="minor">
-                    <a:schemeClr val="lt1"/>
-                  </a:fontRef>
-                </p:style>
-                <p:txBody>
-                  <a:bodyPr rtlCol="0" anchor="ctr"/>
-                  <a:lstStyle/>
-                  <a:p>
-                    <a:pPr algn="ctr">
-                      <a:lnSpc>
-                        <a:spcPts val="1300"/>
-                      </a:lnSpc>
-                    </a:pPr>
-                    <a:endParaRPr lang="en-US" dirty="0">
-                      <a:latin typeface="+mj-lt"/>
-                    </a:endParaRPr>
-                  </a:p>
-                </p:txBody>
-              </p:sp>
-            </p:grpSp>
-            <p:grpSp>
-              <p:nvGrpSpPr>
-                <p:cNvPr id="318" name="Group 317">
-                  <a:extLst>
-                    <a:ext uri="{FF2B5EF4-FFF2-40B4-BE49-F238E27FC236}">
-                      <a16:creationId xmlns:a16="http://schemas.microsoft.com/office/drawing/2014/main" id="{009915BA-DBD7-BD6D-EFBB-B1AD09747620}"/>
-                    </a:ext>
-                  </a:extLst>
-                </p:cNvPr>
-                <p:cNvGrpSpPr/>
-                <p:nvPr/>
-              </p:nvGrpSpPr>
-              <p:grpSpPr>
-                <a:xfrm>
-                  <a:off x="1855961" y="9440042"/>
-                  <a:ext cx="81691" cy="549421"/>
-                  <a:chOff x="1855961" y="9440042"/>
-                  <a:chExt cx="81691" cy="549421"/>
-                </a:xfrm>
-              </p:grpSpPr>
-              <p:cxnSp>
-                <p:nvCxnSpPr>
-                  <p:cNvPr id="319" name="Straight Connector 318">
-                    <a:extLst>
-                      <a:ext uri="{FF2B5EF4-FFF2-40B4-BE49-F238E27FC236}">
-                        <a16:creationId xmlns:a16="http://schemas.microsoft.com/office/drawing/2014/main" id="{02CC085C-7544-4C66-F493-18B67394E196}"/>
-                      </a:ext>
-                    </a:extLst>
-                  </p:cNvPr>
-                  <p:cNvCxnSpPr>
-                    <a:cxnSpLocks/>
-                  </p:cNvCxnSpPr>
-                  <p:nvPr/>
-                </p:nvCxnSpPr>
-                <p:spPr>
-                  <a:xfrm>
-                    <a:off x="1897390" y="9440042"/>
-                    <a:ext cx="0" cy="549421"/>
-                  </a:xfrm>
-                  <a:prstGeom prst="line">
-                    <a:avLst/>
-                  </a:prstGeom>
-                  <a:ln w="28575">
-                    <a:solidFill>
-                      <a:srgbClr val="80AF68"/>
-                    </a:solidFill>
-                  </a:ln>
-                </p:spPr>
-                <p:style>
-                  <a:lnRef idx="1">
-                    <a:schemeClr val="accent1"/>
-                  </a:lnRef>
-                  <a:fillRef idx="0">
-                    <a:schemeClr val="accent1"/>
-                  </a:fillRef>
-                  <a:effectRef idx="0">
-                    <a:schemeClr val="accent1"/>
-                  </a:effectRef>
-                  <a:fontRef idx="minor">
-                    <a:schemeClr val="tx1"/>
-                  </a:fontRef>
-                </p:style>
-              </p:cxnSp>
-              <p:sp>
-                <p:nvSpPr>
-                  <p:cNvPr id="320" name="Oval 319">
-                    <a:extLst>
-                      <a:ext uri="{FF2B5EF4-FFF2-40B4-BE49-F238E27FC236}">
-                        <a16:creationId xmlns:a16="http://schemas.microsoft.com/office/drawing/2014/main" id="{803E877B-CB88-82E0-1F4E-67770635B567}"/>
-                      </a:ext>
-                    </a:extLst>
-                  </p:cNvPr>
-                  <p:cNvSpPr/>
-                  <p:nvPr/>
-                </p:nvSpPr>
-                <p:spPr>
-                  <a:xfrm>
-                    <a:off x="1855961" y="9643486"/>
-                    <a:ext cx="81691" cy="89983"/>
-                  </a:xfrm>
-                  <a:prstGeom prst="ellipse">
-                    <a:avLst/>
-                  </a:prstGeom>
-                  <a:solidFill>
-                    <a:srgbClr val="80AF68"/>
-                  </a:solidFill>
-                  <a:ln>
-                    <a:noFill/>
-                  </a:ln>
-                </p:spPr>
-                <p:style>
-                  <a:lnRef idx="2">
-                    <a:schemeClr val="accent1">
-                      <a:shade val="15000"/>
-                    </a:schemeClr>
-                  </a:lnRef>
-                  <a:fillRef idx="1">
-                    <a:schemeClr val="accent1"/>
-                  </a:fillRef>
-                  <a:effectRef idx="0">
-                    <a:schemeClr val="accent1"/>
-                  </a:effectRef>
-                  <a:fontRef idx="minor">
-                    <a:schemeClr val="lt1"/>
-                  </a:fontRef>
-                </p:style>
-                <p:txBody>
-                  <a:bodyPr rtlCol="0" anchor="ctr"/>
-                  <a:lstStyle/>
-                  <a:p>
-                    <a:pPr algn="ctr">
-                      <a:lnSpc>
-                        <a:spcPts val="1300"/>
-                      </a:lnSpc>
-                    </a:pPr>
-                    <a:endParaRPr lang="en-US" dirty="0">
-                      <a:latin typeface="+mj-lt"/>
-                    </a:endParaRPr>
-                  </a:p>
-                </p:txBody>
-              </p:sp>
-            </p:grpSp>
-          </p:grpSp>
-        </p:grpSp>
-        <p:grpSp>
-          <p:nvGrpSpPr>
-            <p:cNvPr id="325" name="Group 324">
-              <a:extLst>
-                <a:ext uri="{FF2B5EF4-FFF2-40B4-BE49-F238E27FC236}">
-                  <a16:creationId xmlns:a16="http://schemas.microsoft.com/office/drawing/2014/main" id="{FF7C8AE0-6256-42C8-FCFF-D90502F4AD83}"/>
-                </a:ext>
-              </a:extLst>
-            </p:cNvPr>
-            <p:cNvGrpSpPr/>
-            <p:nvPr/>
-          </p:nvGrpSpPr>
-          <p:grpSpPr>
-            <a:xfrm>
-              <a:off x="2784118" y="6426234"/>
-              <a:ext cx="923727" cy="1349960"/>
-              <a:chOff x="2720745" y="9225569"/>
-              <a:chExt cx="923727" cy="1349960"/>
-            </a:xfrm>
-          </p:grpSpPr>
-          <p:grpSp>
-            <p:nvGrpSpPr>
-              <p:cNvPr id="326" name="Group 325">
-                <a:extLst>
-                  <a:ext uri="{FF2B5EF4-FFF2-40B4-BE49-F238E27FC236}">
-                    <a16:creationId xmlns:a16="http://schemas.microsoft.com/office/drawing/2014/main" id="{D7C4A550-FA99-0FED-81AD-1880EB37624B}"/>
-                  </a:ext>
-                </a:extLst>
-              </p:cNvPr>
-              <p:cNvGrpSpPr/>
-              <p:nvPr/>
-            </p:nvGrpSpPr>
-            <p:grpSpPr>
-              <a:xfrm>
-                <a:off x="2720745" y="9225569"/>
-                <a:ext cx="914400" cy="914400"/>
                 <a:chOff x="893379" y="4803228"/>
                 <a:chExt cx="914400" cy="914400"/>
               </a:xfrm>
             </p:grpSpPr>
             <p:cxnSp>
               <p:nvCxnSpPr>
-                <p:cNvPr id="329" name="Straight Connector 328">
+                <p:cNvPr id="323" name="Straight Connector 322">
                   <a:extLst>
                     <a:ext uri="{FF2B5EF4-FFF2-40B4-BE49-F238E27FC236}">
-                      <a16:creationId xmlns:a16="http://schemas.microsoft.com/office/drawing/2014/main" id="{82000CB8-3975-EB10-7541-E2B53A2B92F9}"/>
+                      <a16:creationId xmlns:a16="http://schemas.microsoft.com/office/drawing/2014/main" id="{5EB6971F-C132-5801-A1D6-2A80BF5852DD}"/>
                     </a:ext>
                   </a:extLst>
                 </p:cNvPr>
@@ -11963,10 +11610,10 @@
             </p:cxnSp>
             <p:cxnSp>
               <p:nvCxnSpPr>
-                <p:cNvPr id="330" name="Straight Connector 329">
+                <p:cNvPr id="324" name="Straight Connector 323">
                   <a:extLst>
                     <a:ext uri="{FF2B5EF4-FFF2-40B4-BE49-F238E27FC236}">
-                      <a16:creationId xmlns:a16="http://schemas.microsoft.com/office/drawing/2014/main" id="{F7828AAA-829F-F891-9124-F7E6352C06B9}"/>
+                      <a16:creationId xmlns:a16="http://schemas.microsoft.com/office/drawing/2014/main" id="{89ADEFC3-EEB6-4CC7-7F7A-79BBD2936D82}"/>
                     </a:ext>
                   </a:extLst>
                 </p:cNvPr>
@@ -12008,79 +11655,749 @@
               </p:style>
             </p:cxnSp>
           </p:grpSp>
-          <p:sp>
-            <p:nvSpPr>
-              <p:cNvPr id="327" name="TextBox 326">
+          <p:grpSp>
+            <p:nvGrpSpPr>
+              <p:cNvPr id="317" name="Group 316">
                 <a:extLst>
                   <a:ext uri="{FF2B5EF4-FFF2-40B4-BE49-F238E27FC236}">
-                    <a16:creationId xmlns:a16="http://schemas.microsoft.com/office/drawing/2014/main" id="{08F1C520-42FB-089B-3353-CBA9099B8371}"/>
+                    <a16:creationId xmlns:a16="http://schemas.microsoft.com/office/drawing/2014/main" id="{DD0B2A05-2A94-0331-5C0F-A216E5BD9277}"/>
                   </a:ext>
                 </a:extLst>
               </p:cNvPr>
-              <p:cNvSpPr txBox="1"/>
+              <p:cNvGrpSpPr/>
               <p:nvPr/>
-            </p:nvSpPr>
-            <p:spPr>
+            </p:nvGrpSpPr>
+            <p:grpSpPr>
               <a:xfrm>
-                <a:off x="2726897" y="10144064"/>
-                <a:ext cx="917575" cy="431465"/>
+                <a:off x="1342194" y="9497881"/>
+                <a:ext cx="81691" cy="327025"/>
+                <a:chOff x="1342194" y="9497881"/>
+                <a:chExt cx="81691" cy="327025"/>
               </a:xfrm>
-              <a:prstGeom prst="rect">
-                <a:avLst/>
-              </a:prstGeom>
-              <a:noFill/>
-            </p:spPr>
-            <p:txBody>
-              <a:bodyPr wrap="square" rtlCol="0">
-                <a:spAutoFit/>
-              </a:bodyPr>
-              <a:lstStyle/>
-              <a:p>
-                <a:pPr algn="ctr">
-                  <a:lnSpc>
-                    <a:spcPts val="1300"/>
-                  </a:lnSpc>
-                </a:pPr>
-                <a:r>
-                  <a:rPr lang="en-US" sz="1400" dirty="0">
+            </p:grpSpPr>
+            <p:cxnSp>
+              <p:nvCxnSpPr>
+                <p:cNvPr id="321" name="Straight Connector 320">
+                  <a:extLst>
+                    <a:ext uri="{FF2B5EF4-FFF2-40B4-BE49-F238E27FC236}">
+                      <a16:creationId xmlns:a16="http://schemas.microsoft.com/office/drawing/2014/main" id="{568DC6AA-E713-84C6-7880-1CE9FEF56F5C}"/>
+                    </a:ext>
+                  </a:extLst>
+                </p:cNvPr>
+                <p:cNvCxnSpPr>
+                  <a:cxnSpLocks/>
+                </p:cNvCxnSpPr>
+                <p:nvPr/>
+              </p:nvCxnSpPr>
+              <p:spPr>
+                <a:xfrm>
+                  <a:off x="1383409" y="9497881"/>
+                  <a:ext cx="0" cy="327025"/>
+                </a:xfrm>
+                <a:prstGeom prst="line">
+                  <a:avLst/>
+                </a:prstGeom>
+                <a:ln w="28575">
+                  <a:solidFill>
+                    <a:srgbClr val="0EB8C5"/>
+                  </a:solidFill>
+                </a:ln>
+              </p:spPr>
+              <p:style>
+                <a:lnRef idx="1">
+                  <a:schemeClr val="accent1"/>
+                </a:lnRef>
+                <a:fillRef idx="0">
+                  <a:schemeClr val="accent1"/>
+                </a:fillRef>
+                <a:effectRef idx="0">
+                  <a:schemeClr val="accent1"/>
+                </a:effectRef>
+                <a:fontRef idx="minor">
+                  <a:schemeClr val="tx1"/>
+                </a:fontRef>
+              </p:style>
+            </p:cxnSp>
+            <p:sp>
+              <p:nvSpPr>
+                <p:cNvPr id="322" name="Oval 321">
+                  <a:extLst>
+                    <a:ext uri="{FF2B5EF4-FFF2-40B4-BE49-F238E27FC236}">
+                      <a16:creationId xmlns:a16="http://schemas.microsoft.com/office/drawing/2014/main" id="{7C6D5502-5670-25AC-64EA-E2EA7E3F56F9}"/>
+                    </a:ext>
+                  </a:extLst>
+                </p:cNvPr>
+                <p:cNvSpPr/>
+                <p:nvPr/>
+              </p:nvSpPr>
+              <p:spPr>
+                <a:xfrm>
+                  <a:off x="1342194" y="9616402"/>
+                  <a:ext cx="81691" cy="89983"/>
+                </a:xfrm>
+                <a:prstGeom prst="ellipse">
+                  <a:avLst/>
+                </a:prstGeom>
+                <a:solidFill>
+                  <a:srgbClr val="0EB8C5"/>
+                </a:solidFill>
+                <a:ln>
+                  <a:noFill/>
+                </a:ln>
+              </p:spPr>
+              <p:style>
+                <a:lnRef idx="2">
+                  <a:schemeClr val="accent1">
+                    <a:shade val="15000"/>
+                  </a:schemeClr>
+                </a:lnRef>
+                <a:fillRef idx="1">
+                  <a:schemeClr val="accent1"/>
+                </a:fillRef>
+                <a:effectRef idx="0">
+                  <a:schemeClr val="accent1"/>
+                </a:effectRef>
+                <a:fontRef idx="minor">
+                  <a:schemeClr val="lt1"/>
+                </a:fontRef>
+              </p:style>
+              <p:txBody>
+                <a:bodyPr rtlCol="0" anchor="ctr"/>
+                <a:lstStyle/>
+                <a:p>
+                  <a:pPr algn="ctr">
+                    <a:lnSpc>
+                      <a:spcPts val="1300"/>
+                    </a:lnSpc>
+                  </a:pPr>
+                  <a:endParaRPr lang="en-US" dirty="0">
                     <a:solidFill>
                       <a:schemeClr val="tx1">
                         <a:lumMod val="75000"/>
                         <a:lumOff val="25000"/>
                       </a:schemeClr>
                     </a:solidFill>
-                    <a:latin typeface="+mj-lt"/>
-                  </a:rPr>
-                  <a:t>Summer</a:t>
-                </a:r>
-              </a:p>
-              <a:p>
-                <a:pPr algn="ctr">
-                  <a:lnSpc>
-                    <a:spcPts val="1300"/>
-                  </a:lnSpc>
-                </a:pPr>
-                <a:r>
-                  <a:rPr lang="en-US" sz="1400" dirty="0">
+                  </a:endParaRPr>
+                </a:p>
+              </p:txBody>
+            </p:sp>
+          </p:grpSp>
+          <p:grpSp>
+            <p:nvGrpSpPr>
+              <p:cNvPr id="318" name="Group 317">
+                <a:extLst>
+                  <a:ext uri="{FF2B5EF4-FFF2-40B4-BE49-F238E27FC236}">
+                    <a16:creationId xmlns:a16="http://schemas.microsoft.com/office/drawing/2014/main" id="{009915BA-DBD7-BD6D-EFBB-B1AD09747620}"/>
+                  </a:ext>
+                </a:extLst>
+              </p:cNvPr>
+              <p:cNvGrpSpPr/>
+              <p:nvPr/>
+            </p:nvGrpSpPr>
+            <p:grpSpPr>
+              <a:xfrm>
+                <a:off x="1855961" y="9336126"/>
+                <a:ext cx="81691" cy="653337"/>
+                <a:chOff x="1855961" y="9336126"/>
+                <a:chExt cx="81691" cy="653337"/>
+              </a:xfrm>
+            </p:grpSpPr>
+            <p:cxnSp>
+              <p:nvCxnSpPr>
+                <p:cNvPr id="319" name="Straight Connector 318">
+                  <a:extLst>
+                    <a:ext uri="{FF2B5EF4-FFF2-40B4-BE49-F238E27FC236}">
+                      <a16:creationId xmlns:a16="http://schemas.microsoft.com/office/drawing/2014/main" id="{02CC085C-7544-4C66-F493-18B67394E196}"/>
+                    </a:ext>
+                  </a:extLst>
+                </p:cNvPr>
+                <p:cNvCxnSpPr>
+                  <a:cxnSpLocks/>
+                </p:cNvCxnSpPr>
+                <p:nvPr/>
+              </p:nvCxnSpPr>
+              <p:spPr>
+                <a:xfrm>
+                  <a:off x="1897390" y="9336126"/>
+                  <a:ext cx="0" cy="653337"/>
+                </a:xfrm>
+                <a:prstGeom prst="line">
+                  <a:avLst/>
+                </a:prstGeom>
+                <a:ln w="28575">
+                  <a:solidFill>
+                    <a:srgbClr val="80AF68"/>
+                  </a:solidFill>
+                </a:ln>
+              </p:spPr>
+              <p:style>
+                <a:lnRef idx="1">
+                  <a:schemeClr val="accent1"/>
+                </a:lnRef>
+                <a:fillRef idx="0">
+                  <a:schemeClr val="accent1"/>
+                </a:fillRef>
+                <a:effectRef idx="0">
+                  <a:schemeClr val="accent1"/>
+                </a:effectRef>
+                <a:fontRef idx="minor">
+                  <a:schemeClr val="tx1"/>
+                </a:fontRef>
+              </p:style>
+            </p:cxnSp>
+            <p:sp>
+              <p:nvSpPr>
+                <p:cNvPr id="320" name="Oval 319">
+                  <a:extLst>
+                    <a:ext uri="{FF2B5EF4-FFF2-40B4-BE49-F238E27FC236}">
+                      <a16:creationId xmlns:a16="http://schemas.microsoft.com/office/drawing/2014/main" id="{803E877B-CB88-82E0-1F4E-67770635B567}"/>
+                    </a:ext>
+                  </a:extLst>
+                </p:cNvPr>
+                <p:cNvSpPr/>
+                <p:nvPr/>
+              </p:nvSpPr>
+              <p:spPr>
+                <a:xfrm>
+                  <a:off x="1855961" y="9617803"/>
+                  <a:ext cx="81691" cy="89983"/>
+                </a:xfrm>
+                <a:prstGeom prst="ellipse">
+                  <a:avLst/>
+                </a:prstGeom>
+                <a:solidFill>
+                  <a:srgbClr val="80AF68"/>
+                </a:solidFill>
+                <a:ln>
+                  <a:noFill/>
+                </a:ln>
+              </p:spPr>
+              <p:style>
+                <a:lnRef idx="2">
+                  <a:schemeClr val="accent1">
+                    <a:shade val="15000"/>
+                  </a:schemeClr>
+                </a:lnRef>
+                <a:fillRef idx="1">
+                  <a:schemeClr val="accent1"/>
+                </a:fillRef>
+                <a:effectRef idx="0">
+                  <a:schemeClr val="accent1"/>
+                </a:effectRef>
+                <a:fontRef idx="minor">
+                  <a:schemeClr val="lt1"/>
+                </a:fontRef>
+              </p:style>
+              <p:txBody>
+                <a:bodyPr rtlCol="0" anchor="ctr"/>
+                <a:lstStyle/>
+                <a:p>
+                  <a:pPr algn="ctr">
+                    <a:lnSpc>
+                      <a:spcPts val="1300"/>
+                    </a:lnSpc>
+                  </a:pPr>
+                  <a:endParaRPr lang="en-US" dirty="0">
                     <a:solidFill>
                       <a:schemeClr val="tx1">
                         <a:lumMod val="75000"/>
                         <a:lumOff val="25000"/>
                       </a:schemeClr>
                     </a:solidFill>
-                    <a:latin typeface="+mj-lt"/>
-                  </a:rPr>
-                  <a:t>latitude</a:t>
-                </a:r>
-              </a:p>
-            </p:txBody>
-          </p:sp>
+                  </a:endParaRPr>
+                </a:p>
+              </p:txBody>
+            </p:sp>
+          </p:grpSp>
+        </p:grpSp>
+      </p:grpSp>
+      <p:grpSp>
+        <p:nvGrpSpPr>
+          <p:cNvPr id="325" name="Group 324">
+            <a:extLst>
+              <a:ext uri="{FF2B5EF4-FFF2-40B4-BE49-F238E27FC236}">
+                <a16:creationId xmlns:a16="http://schemas.microsoft.com/office/drawing/2014/main" id="{FF7C8AE0-6256-42C8-FCFF-D90502F4AD83}"/>
+              </a:ext>
+            </a:extLst>
+          </p:cNvPr>
+          <p:cNvGrpSpPr/>
+          <p:nvPr/>
+        </p:nvGrpSpPr>
+        <p:grpSpPr>
+          <a:xfrm>
+            <a:off x="2912710" y="6599660"/>
+            <a:ext cx="923727" cy="1349960"/>
+            <a:chOff x="2720745" y="9225569"/>
+            <a:chExt cx="923727" cy="1349960"/>
+          </a:xfrm>
+        </p:grpSpPr>
+        <p:grpSp>
+          <p:nvGrpSpPr>
+            <p:cNvPr id="326" name="Group 325">
+              <a:extLst>
+                <a:ext uri="{FF2B5EF4-FFF2-40B4-BE49-F238E27FC236}">
+                  <a16:creationId xmlns:a16="http://schemas.microsoft.com/office/drawing/2014/main" id="{D7C4A550-FA99-0FED-81AD-1880EB37624B}"/>
+                </a:ext>
+              </a:extLst>
+            </p:cNvPr>
+            <p:cNvGrpSpPr/>
+            <p:nvPr/>
+          </p:nvGrpSpPr>
+          <p:grpSpPr>
+            <a:xfrm>
+              <a:off x="2720745" y="9225569"/>
+              <a:ext cx="914400" cy="914400"/>
+              <a:chOff x="893379" y="4803228"/>
+              <a:chExt cx="914400" cy="914400"/>
+            </a:xfrm>
+          </p:grpSpPr>
           <p:cxnSp>
             <p:nvCxnSpPr>
-              <p:cNvPr id="328" name="Straight Connector 327">
+              <p:cNvPr id="329" name="Straight Connector 328">
                 <a:extLst>
                   <a:ext uri="{FF2B5EF4-FFF2-40B4-BE49-F238E27FC236}">
-                    <a16:creationId xmlns:a16="http://schemas.microsoft.com/office/drawing/2014/main" id="{1E3F75F9-32E9-7544-CAFC-4994B5476374}"/>
+                    <a16:creationId xmlns:a16="http://schemas.microsoft.com/office/drawing/2014/main" id="{82000CB8-3975-EB10-7541-E2B53A2B92F9}"/>
+                  </a:ext>
+                </a:extLst>
+              </p:cNvPr>
+              <p:cNvCxnSpPr>
+                <a:cxnSpLocks/>
+              </p:cNvCxnSpPr>
+              <p:nvPr/>
+            </p:nvCxnSpPr>
+            <p:spPr>
+              <a:xfrm>
+                <a:off x="893379" y="4803228"/>
+                <a:ext cx="0" cy="914400"/>
+              </a:xfrm>
+              <a:prstGeom prst="line">
+                <a:avLst/>
+              </a:prstGeom>
+              <a:ln>
+                <a:solidFill>
+                  <a:schemeClr val="tx1">
+                    <a:lumMod val="50000"/>
+                    <a:lumOff val="50000"/>
+                  </a:schemeClr>
+                </a:solidFill>
+              </a:ln>
+            </p:spPr>
+            <p:style>
+              <a:lnRef idx="1">
+                <a:schemeClr val="accent1"/>
+              </a:lnRef>
+              <a:fillRef idx="0">
+                <a:schemeClr val="accent1"/>
+              </a:fillRef>
+              <a:effectRef idx="0">
+                <a:schemeClr val="accent1"/>
+              </a:effectRef>
+              <a:fontRef idx="minor">
+                <a:schemeClr val="tx1"/>
+              </a:fontRef>
+            </p:style>
+          </p:cxnSp>
+          <p:cxnSp>
+            <p:nvCxnSpPr>
+              <p:cNvPr id="330" name="Straight Connector 329">
+                <a:extLst>
+                  <a:ext uri="{FF2B5EF4-FFF2-40B4-BE49-F238E27FC236}">
+                    <a16:creationId xmlns:a16="http://schemas.microsoft.com/office/drawing/2014/main" id="{F7828AAA-829F-F891-9124-F7E6352C06B9}"/>
+                  </a:ext>
+                </a:extLst>
+              </p:cNvPr>
+              <p:cNvCxnSpPr>
+                <a:cxnSpLocks/>
+              </p:cNvCxnSpPr>
+              <p:nvPr/>
+            </p:nvCxnSpPr>
+            <p:spPr>
+              <a:xfrm>
+                <a:off x="893379" y="5717628"/>
+                <a:ext cx="914400" cy="0"/>
+              </a:xfrm>
+              <a:prstGeom prst="line">
+                <a:avLst/>
+              </a:prstGeom>
+              <a:ln>
+                <a:solidFill>
+                  <a:schemeClr val="tx1">
+                    <a:lumMod val="50000"/>
+                    <a:lumOff val="50000"/>
+                  </a:schemeClr>
+                </a:solidFill>
+              </a:ln>
+            </p:spPr>
+            <p:style>
+              <a:lnRef idx="1">
+                <a:schemeClr val="accent1"/>
+              </a:lnRef>
+              <a:fillRef idx="0">
+                <a:schemeClr val="accent1"/>
+              </a:fillRef>
+              <a:effectRef idx="0">
+                <a:schemeClr val="accent1"/>
+              </a:effectRef>
+              <a:fontRef idx="minor">
+                <a:schemeClr val="tx1"/>
+              </a:fontRef>
+            </p:style>
+          </p:cxnSp>
+        </p:grpSp>
+        <p:sp>
+          <p:nvSpPr>
+            <p:cNvPr id="327" name="TextBox 326">
+              <a:extLst>
+                <a:ext uri="{FF2B5EF4-FFF2-40B4-BE49-F238E27FC236}">
+                  <a16:creationId xmlns:a16="http://schemas.microsoft.com/office/drawing/2014/main" id="{08F1C520-42FB-089B-3353-CBA9099B8371}"/>
+                </a:ext>
+              </a:extLst>
+            </p:cNvPr>
+            <p:cNvSpPr txBox="1"/>
+            <p:nvPr/>
+          </p:nvSpPr>
+          <p:spPr>
+            <a:xfrm>
+              <a:off x="2726897" y="10144064"/>
+              <a:ext cx="917575" cy="431465"/>
+            </a:xfrm>
+            <a:prstGeom prst="rect">
+              <a:avLst/>
+            </a:prstGeom>
+            <a:noFill/>
+          </p:spPr>
+          <p:txBody>
+            <a:bodyPr wrap="square" rtlCol="0">
+              <a:spAutoFit/>
+            </a:bodyPr>
+            <a:lstStyle/>
+            <a:p>
+              <a:pPr algn="ctr">
+                <a:lnSpc>
+                  <a:spcPts val="1300"/>
+                </a:lnSpc>
+              </a:pPr>
+              <a:r>
+                <a:rPr lang="en-US" sz="1400" dirty="0">
+                  <a:solidFill>
+                    <a:schemeClr val="tx1">
+                      <a:lumMod val="75000"/>
+                      <a:lumOff val="25000"/>
+                    </a:schemeClr>
+                  </a:solidFill>
+                </a:rPr>
+                <a:t>Summer</a:t>
+              </a:r>
+            </a:p>
+            <a:p>
+              <a:pPr algn="ctr">
+                <a:lnSpc>
+                  <a:spcPts val="1300"/>
+                </a:lnSpc>
+              </a:pPr>
+              <a:r>
+                <a:rPr lang="en-US" sz="1400" dirty="0">
+                  <a:solidFill>
+                    <a:schemeClr val="tx1">
+                      <a:lumMod val="75000"/>
+                      <a:lumOff val="25000"/>
+                    </a:schemeClr>
+                  </a:solidFill>
+                </a:rPr>
+                <a:t>latitude</a:t>
+              </a:r>
+            </a:p>
+          </p:txBody>
+        </p:sp>
+        <p:cxnSp>
+          <p:nvCxnSpPr>
+            <p:cNvPr id="328" name="Straight Connector 327">
+              <a:extLst>
+                <a:ext uri="{FF2B5EF4-FFF2-40B4-BE49-F238E27FC236}">
+                  <a16:creationId xmlns:a16="http://schemas.microsoft.com/office/drawing/2014/main" id="{1E3F75F9-32E9-7544-CAFC-4994B5476374}"/>
+                </a:ext>
+              </a:extLst>
+            </p:cNvPr>
+            <p:cNvCxnSpPr>
+              <a:cxnSpLocks/>
+            </p:cNvCxnSpPr>
+            <p:nvPr/>
+          </p:nvCxnSpPr>
+          <p:spPr>
+            <a:xfrm flipV="1">
+              <a:off x="2812185" y="9317009"/>
+              <a:ext cx="731520" cy="731520"/>
+            </a:xfrm>
+            <a:prstGeom prst="line">
+              <a:avLst/>
+            </a:prstGeom>
+            <a:ln w="28575">
+              <a:solidFill>
+                <a:schemeClr val="tx1">
+                  <a:lumMod val="50000"/>
+                  <a:lumOff val="50000"/>
+                </a:schemeClr>
+              </a:solidFill>
+            </a:ln>
+          </p:spPr>
+          <p:style>
+            <a:lnRef idx="1">
+              <a:schemeClr val="accent1"/>
+            </a:lnRef>
+            <a:fillRef idx="0">
+              <a:schemeClr val="accent1"/>
+            </a:fillRef>
+            <a:effectRef idx="0">
+              <a:schemeClr val="accent1"/>
+            </a:effectRef>
+            <a:fontRef idx="minor">
+              <a:schemeClr val="tx1"/>
+            </a:fontRef>
+          </p:style>
+        </p:cxnSp>
+      </p:grpSp>
+      <p:grpSp>
+        <p:nvGrpSpPr>
+          <p:cNvPr id="54" name="Group 53">
+            <a:extLst>
+              <a:ext uri="{FF2B5EF4-FFF2-40B4-BE49-F238E27FC236}">
+                <a16:creationId xmlns:a16="http://schemas.microsoft.com/office/drawing/2014/main" id="{695A58CA-C282-DAD7-BB65-38C616A6E2AB}"/>
+              </a:ext>
+            </a:extLst>
+          </p:cNvPr>
+          <p:cNvGrpSpPr/>
+          <p:nvPr/>
+        </p:nvGrpSpPr>
+        <p:grpSpPr>
+          <a:xfrm>
+            <a:off x="4330844" y="6599660"/>
+            <a:ext cx="914400" cy="1524921"/>
+            <a:chOff x="4629423" y="6866605"/>
+            <a:chExt cx="914400" cy="1524921"/>
+          </a:xfrm>
+        </p:grpSpPr>
+        <p:sp>
+          <p:nvSpPr>
+            <p:cNvPr id="333" name="TextBox 332">
+              <a:extLst>
+                <a:ext uri="{FF2B5EF4-FFF2-40B4-BE49-F238E27FC236}">
+                  <a16:creationId xmlns:a16="http://schemas.microsoft.com/office/drawing/2014/main" id="{F760D6D6-403C-8A57-AD0F-A2B979B67861}"/>
+                </a:ext>
+              </a:extLst>
+            </p:cNvPr>
+            <p:cNvSpPr txBox="1"/>
+            <p:nvPr/>
+          </p:nvSpPr>
+          <p:spPr>
+            <a:xfrm>
+              <a:off x="4632848" y="7781926"/>
+              <a:ext cx="910956" cy="609600"/>
+            </a:xfrm>
+            <a:prstGeom prst="rect">
+              <a:avLst/>
+            </a:prstGeom>
+            <a:noFill/>
+          </p:spPr>
+          <p:txBody>
+            <a:bodyPr wrap="square" rtlCol="0">
+              <a:spAutoFit/>
+            </a:bodyPr>
+            <a:lstStyle/>
+            <a:p>
+              <a:pPr algn="ctr">
+                <a:lnSpc>
+                  <a:spcPts val="1300"/>
+                </a:lnSpc>
+              </a:pPr>
+              <a:r>
+                <a:rPr lang="en-US" sz="1400" dirty="0">
+                  <a:solidFill>
+                    <a:schemeClr val="tx1">
+                      <a:lumMod val="75000"/>
+                      <a:lumOff val="25000"/>
+                    </a:schemeClr>
+                  </a:solidFill>
+                </a:rPr>
+                <a:t>Minimum </a:t>
+              </a:r>
+            </a:p>
+            <a:p>
+              <a:pPr algn="ctr">
+                <a:lnSpc>
+                  <a:spcPts val="1300"/>
+                </a:lnSpc>
+              </a:pPr>
+              <a:r>
+                <a:rPr lang="en-US" sz="1400" dirty="0">
+                  <a:solidFill>
+                    <a:schemeClr val="tx1">
+                      <a:lumMod val="75000"/>
+                      <a:lumOff val="25000"/>
+                    </a:schemeClr>
+                  </a:solidFill>
+                </a:rPr>
+                <a:t>Distance</a:t>
+              </a:r>
+            </a:p>
+            <a:p>
+              <a:pPr algn="ctr">
+                <a:lnSpc>
+                  <a:spcPts val="1300"/>
+                </a:lnSpc>
+              </a:pPr>
+              <a:r>
+                <a:rPr lang="en-US" sz="1400" dirty="0">
+                  <a:solidFill>
+                    <a:schemeClr val="tx1">
+                      <a:lumMod val="75000"/>
+                      <a:lumOff val="25000"/>
+                    </a:schemeClr>
+                  </a:solidFill>
+                </a:rPr>
+                <a:t>traveled</a:t>
+              </a:r>
+            </a:p>
+          </p:txBody>
+        </p:sp>
+        <p:grpSp>
+          <p:nvGrpSpPr>
+            <p:cNvPr id="48" name="Group 47">
+              <a:extLst>
+                <a:ext uri="{FF2B5EF4-FFF2-40B4-BE49-F238E27FC236}">
+                  <a16:creationId xmlns:a16="http://schemas.microsoft.com/office/drawing/2014/main" id="{14DC6269-9699-D90D-C89F-B0E27A5F3746}"/>
+                </a:ext>
+              </a:extLst>
+            </p:cNvPr>
+            <p:cNvGrpSpPr/>
+            <p:nvPr/>
+          </p:nvGrpSpPr>
+          <p:grpSpPr>
+            <a:xfrm>
+              <a:off x="4629423" y="6866605"/>
+              <a:ext cx="914400" cy="914400"/>
+              <a:chOff x="2720745" y="9225569"/>
+              <a:chExt cx="914400" cy="914400"/>
+            </a:xfrm>
+          </p:grpSpPr>
+          <p:grpSp>
+            <p:nvGrpSpPr>
+              <p:cNvPr id="49" name="Group 48">
+                <a:extLst>
+                  <a:ext uri="{FF2B5EF4-FFF2-40B4-BE49-F238E27FC236}">
+                    <a16:creationId xmlns:a16="http://schemas.microsoft.com/office/drawing/2014/main" id="{4ECDDB19-A2E5-E87E-C72E-EA92F120AEEA}"/>
+                  </a:ext>
+                </a:extLst>
+              </p:cNvPr>
+              <p:cNvGrpSpPr/>
+              <p:nvPr/>
+            </p:nvGrpSpPr>
+            <p:grpSpPr>
+              <a:xfrm>
+                <a:off x="2720745" y="9225569"/>
+                <a:ext cx="914400" cy="914400"/>
+                <a:chOff x="893379" y="4803228"/>
+                <a:chExt cx="914400" cy="914400"/>
+              </a:xfrm>
+            </p:grpSpPr>
+            <p:cxnSp>
+              <p:nvCxnSpPr>
+                <p:cNvPr id="52" name="Straight Connector 51">
+                  <a:extLst>
+                    <a:ext uri="{FF2B5EF4-FFF2-40B4-BE49-F238E27FC236}">
+                      <a16:creationId xmlns:a16="http://schemas.microsoft.com/office/drawing/2014/main" id="{6AAD9EB3-2E2E-3A47-A708-5E02D24BC13B}"/>
+                    </a:ext>
+                  </a:extLst>
+                </p:cNvPr>
+                <p:cNvCxnSpPr>
+                  <a:cxnSpLocks/>
+                </p:cNvCxnSpPr>
+                <p:nvPr/>
+              </p:nvCxnSpPr>
+              <p:spPr>
+                <a:xfrm>
+                  <a:off x="893379" y="4803228"/>
+                  <a:ext cx="0" cy="914400"/>
+                </a:xfrm>
+                <a:prstGeom prst="line">
+                  <a:avLst/>
+                </a:prstGeom>
+                <a:ln>
+                  <a:solidFill>
+                    <a:schemeClr val="tx1">
+                      <a:lumMod val="50000"/>
+                      <a:lumOff val="50000"/>
+                    </a:schemeClr>
+                  </a:solidFill>
+                </a:ln>
+              </p:spPr>
+              <p:style>
+                <a:lnRef idx="1">
+                  <a:schemeClr val="accent1"/>
+                </a:lnRef>
+                <a:fillRef idx="0">
+                  <a:schemeClr val="accent1"/>
+                </a:fillRef>
+                <a:effectRef idx="0">
+                  <a:schemeClr val="accent1"/>
+                </a:effectRef>
+                <a:fontRef idx="minor">
+                  <a:schemeClr val="tx1"/>
+                </a:fontRef>
+              </p:style>
+            </p:cxnSp>
+            <p:cxnSp>
+              <p:nvCxnSpPr>
+                <p:cNvPr id="53" name="Straight Connector 52">
+                  <a:extLst>
+                    <a:ext uri="{FF2B5EF4-FFF2-40B4-BE49-F238E27FC236}">
+                      <a16:creationId xmlns:a16="http://schemas.microsoft.com/office/drawing/2014/main" id="{06BF666F-D4DC-8496-191B-C7BBA0A71854}"/>
+                    </a:ext>
+                  </a:extLst>
+                </p:cNvPr>
+                <p:cNvCxnSpPr>
+                  <a:cxnSpLocks/>
+                </p:cNvCxnSpPr>
+                <p:nvPr/>
+              </p:nvCxnSpPr>
+              <p:spPr>
+                <a:xfrm>
+                  <a:off x="893379" y="5717628"/>
+                  <a:ext cx="914400" cy="0"/>
+                </a:xfrm>
+                <a:prstGeom prst="line">
+                  <a:avLst/>
+                </a:prstGeom>
+                <a:ln>
+                  <a:solidFill>
+                    <a:schemeClr val="tx1">
+                      <a:lumMod val="50000"/>
+                      <a:lumOff val="50000"/>
+                    </a:schemeClr>
+                  </a:solidFill>
+                </a:ln>
+              </p:spPr>
+              <p:style>
+                <a:lnRef idx="1">
+                  <a:schemeClr val="accent1"/>
+                </a:lnRef>
+                <a:fillRef idx="0">
+                  <a:schemeClr val="accent1"/>
+                </a:fillRef>
+                <a:effectRef idx="0">
+                  <a:schemeClr val="accent1"/>
+                </a:effectRef>
+                <a:fontRef idx="minor">
+                  <a:schemeClr val="tx1"/>
+                </a:fontRef>
+              </p:style>
+            </p:cxnSp>
+          </p:grpSp>
+          <p:cxnSp>
+            <p:nvCxnSpPr>
+              <p:cNvPr id="51" name="Straight Connector 50">
+                <a:extLst>
+                  <a:ext uri="{FF2B5EF4-FFF2-40B4-BE49-F238E27FC236}">
+                    <a16:creationId xmlns:a16="http://schemas.microsoft.com/office/drawing/2014/main" id="{16BD0D53-7E45-8DA6-79DA-D6839D4B8406}"/>
                   </a:ext>
                 </a:extLst>
               </p:cNvPr>
@@ -12122,340 +12439,7 @@
             </p:style>
           </p:cxnSp>
         </p:grpSp>
-        <p:grpSp>
-          <p:nvGrpSpPr>
-            <p:cNvPr id="54" name="Group 53">
-              <a:extLst>
-                <a:ext uri="{FF2B5EF4-FFF2-40B4-BE49-F238E27FC236}">
-                  <a16:creationId xmlns:a16="http://schemas.microsoft.com/office/drawing/2014/main" id="{695A58CA-C282-DAD7-BB65-38C616A6E2AB}"/>
-                </a:ext>
-              </a:extLst>
-            </p:cNvPr>
-            <p:cNvGrpSpPr/>
-            <p:nvPr/>
-          </p:nvGrpSpPr>
-          <p:grpSpPr>
-            <a:xfrm>
-              <a:off x="4087948" y="6426234"/>
-              <a:ext cx="914400" cy="1524921"/>
-              <a:chOff x="4629423" y="6866605"/>
-              <a:chExt cx="914400" cy="1524921"/>
-            </a:xfrm>
-          </p:grpSpPr>
-          <p:sp>
-            <p:nvSpPr>
-              <p:cNvPr id="333" name="TextBox 332">
-                <a:extLst>
-                  <a:ext uri="{FF2B5EF4-FFF2-40B4-BE49-F238E27FC236}">
-                    <a16:creationId xmlns:a16="http://schemas.microsoft.com/office/drawing/2014/main" id="{F760D6D6-403C-8A57-AD0F-A2B979B67861}"/>
-                  </a:ext>
-                </a:extLst>
-              </p:cNvPr>
-              <p:cNvSpPr txBox="1"/>
-              <p:nvPr/>
-            </p:nvSpPr>
-            <p:spPr>
-              <a:xfrm>
-                <a:off x="4632848" y="7781926"/>
-                <a:ext cx="910956" cy="609600"/>
-              </a:xfrm>
-              <a:prstGeom prst="rect">
-                <a:avLst/>
-              </a:prstGeom>
-              <a:noFill/>
-            </p:spPr>
-            <p:txBody>
-              <a:bodyPr wrap="square" rtlCol="0">
-                <a:spAutoFit/>
-              </a:bodyPr>
-              <a:lstStyle/>
-              <a:p>
-                <a:pPr algn="ctr">
-                  <a:lnSpc>
-                    <a:spcPts val="1300"/>
-                  </a:lnSpc>
-                </a:pPr>
-                <a:r>
-                  <a:rPr lang="en-US" sz="1400" dirty="0">
-                    <a:solidFill>
-                      <a:schemeClr val="tx1">
-                        <a:lumMod val="75000"/>
-                        <a:lumOff val="25000"/>
-                      </a:schemeClr>
-                    </a:solidFill>
-                    <a:latin typeface="+mj-lt"/>
-                  </a:rPr>
-                  <a:t>Minimum </a:t>
-                </a:r>
-              </a:p>
-              <a:p>
-                <a:pPr algn="ctr">
-                  <a:lnSpc>
-                    <a:spcPts val="1300"/>
-                  </a:lnSpc>
-                </a:pPr>
-                <a:r>
-                  <a:rPr lang="en-US" sz="1400" dirty="0">
-                    <a:solidFill>
-                      <a:schemeClr val="tx1">
-                        <a:lumMod val="75000"/>
-                        <a:lumOff val="25000"/>
-                      </a:schemeClr>
-                    </a:solidFill>
-                    <a:latin typeface="+mj-lt"/>
-                  </a:rPr>
-                  <a:t>Distance</a:t>
-                </a:r>
-              </a:p>
-              <a:p>
-                <a:pPr algn="ctr">
-                  <a:lnSpc>
-                    <a:spcPts val="1300"/>
-                  </a:lnSpc>
-                </a:pPr>
-                <a:r>
-                  <a:rPr lang="en-US" sz="1400" dirty="0">
-                    <a:solidFill>
-                      <a:schemeClr val="tx1">
-                        <a:lumMod val="75000"/>
-                        <a:lumOff val="25000"/>
-                      </a:schemeClr>
-                    </a:solidFill>
-                    <a:latin typeface="+mj-lt"/>
-                  </a:rPr>
-                  <a:t>traveled</a:t>
-                </a:r>
-              </a:p>
-            </p:txBody>
-          </p:sp>
-          <p:grpSp>
-            <p:nvGrpSpPr>
-              <p:cNvPr id="48" name="Group 47">
-                <a:extLst>
-                  <a:ext uri="{FF2B5EF4-FFF2-40B4-BE49-F238E27FC236}">
-                    <a16:creationId xmlns:a16="http://schemas.microsoft.com/office/drawing/2014/main" id="{14DC6269-9699-D90D-C89F-B0E27A5F3746}"/>
-                  </a:ext>
-                </a:extLst>
-              </p:cNvPr>
-              <p:cNvGrpSpPr/>
-              <p:nvPr/>
-            </p:nvGrpSpPr>
-            <p:grpSpPr>
-              <a:xfrm>
-                <a:off x="4629423" y="6866605"/>
-                <a:ext cx="914400" cy="914400"/>
-                <a:chOff x="2720745" y="9225569"/>
-                <a:chExt cx="914400" cy="914400"/>
-              </a:xfrm>
-            </p:grpSpPr>
-            <p:grpSp>
-              <p:nvGrpSpPr>
-                <p:cNvPr id="49" name="Group 48">
-                  <a:extLst>
-                    <a:ext uri="{FF2B5EF4-FFF2-40B4-BE49-F238E27FC236}">
-                      <a16:creationId xmlns:a16="http://schemas.microsoft.com/office/drawing/2014/main" id="{4ECDDB19-A2E5-E87E-C72E-EA92F120AEEA}"/>
-                    </a:ext>
-                  </a:extLst>
-                </p:cNvPr>
-                <p:cNvGrpSpPr/>
-                <p:nvPr/>
-              </p:nvGrpSpPr>
-              <p:grpSpPr>
-                <a:xfrm>
-                  <a:off x="2720745" y="9225569"/>
-                  <a:ext cx="914400" cy="914400"/>
-                  <a:chOff x="893379" y="4803228"/>
-                  <a:chExt cx="914400" cy="914400"/>
-                </a:xfrm>
-              </p:grpSpPr>
-              <p:cxnSp>
-                <p:nvCxnSpPr>
-                  <p:cNvPr id="52" name="Straight Connector 51">
-                    <a:extLst>
-                      <a:ext uri="{FF2B5EF4-FFF2-40B4-BE49-F238E27FC236}">
-                        <a16:creationId xmlns:a16="http://schemas.microsoft.com/office/drawing/2014/main" id="{6AAD9EB3-2E2E-3A47-A708-5E02D24BC13B}"/>
-                      </a:ext>
-                    </a:extLst>
-                  </p:cNvPr>
-                  <p:cNvCxnSpPr>
-                    <a:cxnSpLocks/>
-                  </p:cNvCxnSpPr>
-                  <p:nvPr/>
-                </p:nvCxnSpPr>
-                <p:spPr>
-                  <a:xfrm>
-                    <a:off x="893379" y="4803228"/>
-                    <a:ext cx="0" cy="914400"/>
-                  </a:xfrm>
-                  <a:prstGeom prst="line">
-                    <a:avLst/>
-                  </a:prstGeom>
-                  <a:ln>
-                    <a:solidFill>
-                      <a:schemeClr val="tx1">
-                        <a:lumMod val="50000"/>
-                        <a:lumOff val="50000"/>
-                      </a:schemeClr>
-                    </a:solidFill>
-                  </a:ln>
-                </p:spPr>
-                <p:style>
-                  <a:lnRef idx="1">
-                    <a:schemeClr val="accent1"/>
-                  </a:lnRef>
-                  <a:fillRef idx="0">
-                    <a:schemeClr val="accent1"/>
-                  </a:fillRef>
-                  <a:effectRef idx="0">
-                    <a:schemeClr val="accent1"/>
-                  </a:effectRef>
-                  <a:fontRef idx="minor">
-                    <a:schemeClr val="tx1"/>
-                  </a:fontRef>
-                </p:style>
-              </p:cxnSp>
-              <p:cxnSp>
-                <p:nvCxnSpPr>
-                  <p:cNvPr id="53" name="Straight Connector 52">
-                    <a:extLst>
-                      <a:ext uri="{FF2B5EF4-FFF2-40B4-BE49-F238E27FC236}">
-                        <a16:creationId xmlns:a16="http://schemas.microsoft.com/office/drawing/2014/main" id="{06BF666F-D4DC-8496-191B-C7BBA0A71854}"/>
-                      </a:ext>
-                    </a:extLst>
-                  </p:cNvPr>
-                  <p:cNvCxnSpPr>
-                    <a:cxnSpLocks/>
-                  </p:cNvCxnSpPr>
-                  <p:nvPr/>
-                </p:nvCxnSpPr>
-                <p:spPr>
-                  <a:xfrm>
-                    <a:off x="893379" y="5717628"/>
-                    <a:ext cx="914400" cy="0"/>
-                  </a:xfrm>
-                  <a:prstGeom prst="line">
-                    <a:avLst/>
-                  </a:prstGeom>
-                  <a:ln>
-                    <a:solidFill>
-                      <a:schemeClr val="tx1">
-                        <a:lumMod val="50000"/>
-                        <a:lumOff val="50000"/>
-                      </a:schemeClr>
-                    </a:solidFill>
-                  </a:ln>
-                </p:spPr>
-                <p:style>
-                  <a:lnRef idx="1">
-                    <a:schemeClr val="accent1"/>
-                  </a:lnRef>
-                  <a:fillRef idx="0">
-                    <a:schemeClr val="accent1"/>
-                  </a:fillRef>
-                  <a:effectRef idx="0">
-                    <a:schemeClr val="accent1"/>
-                  </a:effectRef>
-                  <a:fontRef idx="minor">
-                    <a:schemeClr val="tx1"/>
-                  </a:fontRef>
-                </p:style>
-              </p:cxnSp>
-            </p:grpSp>
-            <p:cxnSp>
-              <p:nvCxnSpPr>
-                <p:cNvPr id="51" name="Straight Connector 50">
-                  <a:extLst>
-                    <a:ext uri="{FF2B5EF4-FFF2-40B4-BE49-F238E27FC236}">
-                      <a16:creationId xmlns:a16="http://schemas.microsoft.com/office/drawing/2014/main" id="{16BD0D53-7E45-8DA6-79DA-D6839D4B8406}"/>
-                    </a:ext>
-                  </a:extLst>
-                </p:cNvPr>
-                <p:cNvCxnSpPr>
-                  <a:cxnSpLocks/>
-                </p:cNvCxnSpPr>
-                <p:nvPr/>
-              </p:nvCxnSpPr>
-              <p:spPr>
-                <a:xfrm flipV="1">
-                  <a:off x="2812185" y="9317009"/>
-                  <a:ext cx="731520" cy="731520"/>
-                </a:xfrm>
-                <a:prstGeom prst="line">
-                  <a:avLst/>
-                </a:prstGeom>
-                <a:ln w="28575">
-                  <a:solidFill>
-                    <a:schemeClr val="tx1">
-                      <a:lumMod val="50000"/>
-                      <a:lumOff val="50000"/>
-                    </a:schemeClr>
-                  </a:solidFill>
-                </a:ln>
-              </p:spPr>
-              <p:style>
-                <a:lnRef idx="1">
-                  <a:schemeClr val="accent1"/>
-                </a:lnRef>
-                <a:fillRef idx="0">
-                  <a:schemeClr val="accent1"/>
-                </a:fillRef>
-                <a:effectRef idx="0">
-                  <a:schemeClr val="accent1"/>
-                </a:effectRef>
-                <a:fontRef idx="minor">
-                  <a:schemeClr val="tx1"/>
-                </a:fontRef>
-              </p:style>
-            </p:cxnSp>
-          </p:grpSp>
-        </p:grpSp>
       </p:grpSp>
-      <p:cxnSp>
-        <p:nvCxnSpPr>
-          <p:cNvPr id="62" name="Straight Connector 61">
-            <a:extLst>
-              <a:ext uri="{FF2B5EF4-FFF2-40B4-BE49-F238E27FC236}">
-                <a16:creationId xmlns:a16="http://schemas.microsoft.com/office/drawing/2014/main" id="{1DE44203-2459-1A0A-88FD-45E29C07DA2C}"/>
-              </a:ext>
-            </a:extLst>
-          </p:cNvPr>
-          <p:cNvCxnSpPr>
-            <a:cxnSpLocks/>
-          </p:cNvCxnSpPr>
-          <p:nvPr/>
-        </p:nvCxnSpPr>
-        <p:spPr>
-          <a:xfrm>
-            <a:off x="523063" y="534538"/>
-            <a:ext cx="0" cy="3265635"/>
-          </a:xfrm>
-          <a:prstGeom prst="line">
-            <a:avLst/>
-          </a:prstGeom>
-          <a:ln>
-            <a:solidFill>
-              <a:schemeClr val="tx1">
-                <a:lumMod val="75000"/>
-                <a:lumOff val="25000"/>
-              </a:schemeClr>
-            </a:solidFill>
-          </a:ln>
-        </p:spPr>
-        <p:style>
-          <a:lnRef idx="1">
-            <a:schemeClr val="accent1"/>
-          </a:lnRef>
-          <a:fillRef idx="0">
-            <a:schemeClr val="accent1"/>
-          </a:fillRef>
-          <a:effectRef idx="0">
-            <a:schemeClr val="accent1"/>
-          </a:effectRef>
-          <a:fontRef idx="minor">
-            <a:schemeClr val="tx1"/>
-          </a:fontRef>
-        </p:style>
-      </p:cxnSp>
       <p:grpSp>
         <p:nvGrpSpPr>
           <p:cNvPr id="93" name="Group 92">
@@ -12470,7 +12454,7 @@
         </p:nvGrpSpPr>
         <p:grpSpPr>
           <a:xfrm>
-            <a:off x="9611695" y="6430329"/>
+            <a:off x="9854591" y="6603755"/>
             <a:ext cx="914400" cy="914400"/>
             <a:chOff x="6980617" y="4926197"/>
             <a:chExt cx="914400" cy="914400"/>
@@ -12664,8 +12648,8 @@
         </p:nvSpPr>
         <p:spPr>
           <a:xfrm>
-            <a:off x="9964142" y="5666343"/>
-            <a:ext cx="1280160" cy="341768"/>
+            <a:off x="10100269" y="5839769"/>
+            <a:ext cx="1007905" cy="264752"/>
           </a:xfrm>
           <a:prstGeom prst="rect">
             <a:avLst/>
@@ -12691,7 +12675,6 @@
                     <a:lumOff val="25000"/>
                   </a:schemeClr>
                 </a:solidFill>
-                <a:latin typeface="+mj-lt"/>
               </a:rPr>
               <a:t>Day of year</a:t>
             </a:r>
@@ -12712,7 +12695,7 @@
         </p:nvSpPr>
         <p:spPr>
           <a:xfrm>
-            <a:off x="8312818" y="7344729"/>
+            <a:off x="8441410" y="7518155"/>
             <a:ext cx="917575" cy="431465"/>
           </a:xfrm>
           <a:prstGeom prst="rect">
@@ -12739,7 +12722,6 @@
                     <a:lumOff val="25000"/>
                   </a:schemeClr>
                 </a:solidFill>
-                <a:latin typeface="+mj-lt"/>
               </a:rPr>
               <a:t>Summer</a:t>
             </a:r>
@@ -12758,7 +12740,6 @@
                     <a:lumOff val="25000"/>
                   </a:schemeClr>
                 </a:solidFill>
-                <a:latin typeface="+mj-lt"/>
               </a:rPr>
               <a:t>latitude</a:t>
             </a:r>
@@ -12779,7 +12760,7 @@
         </p:nvSpPr>
         <p:spPr>
           <a:xfrm>
-            <a:off x="9613921" y="7341555"/>
+            <a:off x="9856817" y="7514981"/>
             <a:ext cx="910956" cy="609600"/>
           </a:xfrm>
           <a:prstGeom prst="rect">
@@ -12806,7 +12787,6 @@
                     <a:lumOff val="25000"/>
                   </a:schemeClr>
                 </a:solidFill>
-                <a:latin typeface="+mj-lt"/>
               </a:rPr>
               <a:t>Minimum </a:t>
             </a:r>
@@ -12825,7 +12805,6 @@
                     <a:lumOff val="25000"/>
                   </a:schemeClr>
                 </a:solidFill>
-                <a:latin typeface="+mj-lt"/>
               </a:rPr>
               <a:t>Distance</a:t>
             </a:r>
@@ -12844,9 +12823,294 @@
                     <a:lumOff val="25000"/>
                   </a:schemeClr>
                 </a:solidFill>
+              </a:rPr>
+              <a:t>traveled</a:t>
+            </a:r>
+          </a:p>
+        </p:txBody>
+      </p:sp>
+      <p:sp>
+        <p:nvSpPr>
+          <p:cNvPr id="3" name="TextBox 2">
+            <a:extLst>
+              <a:ext uri="{FF2B5EF4-FFF2-40B4-BE49-F238E27FC236}">
+                <a16:creationId xmlns:a16="http://schemas.microsoft.com/office/drawing/2014/main" id="{790D8C13-3772-82EC-37C6-35BB584179EB}"/>
+              </a:ext>
+            </a:extLst>
+          </p:cNvPr>
+          <p:cNvSpPr txBox="1"/>
+          <p:nvPr/>
+        </p:nvSpPr>
+        <p:spPr>
+          <a:xfrm rot="16200000">
+            <a:off x="5653090" y="1979794"/>
+            <a:ext cx="1186159" cy="338554"/>
+          </a:xfrm>
+          <a:prstGeom prst="rect">
+            <a:avLst/>
+          </a:prstGeom>
+          <a:noFill/>
+        </p:spPr>
+        <p:txBody>
+          <a:bodyPr wrap="none" rtlCol="0">
+            <a:spAutoFit/>
+          </a:bodyPr>
+          <a:lstStyle/>
+          <a:p>
+            <a:r>
+              <a:rPr lang="en-US" sz="1600" dirty="0">
+                <a:solidFill>
+                  <a:schemeClr val="tx1">
+                    <a:lumMod val="75000"/>
+                    <a:lumOff val="25000"/>
+                  </a:schemeClr>
+                </a:solidFill>
                 <a:latin typeface="+mj-lt"/>
               </a:rPr>
-              <a:t>traveled</a:t>
+              <a:t>Latitude</a:t>
+            </a:r>
+            <a:r>
+              <a:rPr lang="en-US" sz="1600" dirty="0">
+                <a:solidFill>
+                  <a:schemeClr val="tx1">
+                    <a:lumMod val="75000"/>
+                    <a:lumOff val="25000"/>
+                  </a:schemeClr>
+                </a:solidFill>
+              </a:rPr>
+              <a:t>  → </a:t>
+            </a:r>
+          </a:p>
+        </p:txBody>
+      </p:sp>
+      <p:cxnSp>
+        <p:nvCxnSpPr>
+          <p:cNvPr id="34" name="Straight Arrow Connector 33">
+            <a:extLst>
+              <a:ext uri="{FF2B5EF4-FFF2-40B4-BE49-F238E27FC236}">
+                <a16:creationId xmlns:a16="http://schemas.microsoft.com/office/drawing/2014/main" id="{4D98EE21-FE67-D16E-8D16-4E77BC1A0AF9}"/>
+              </a:ext>
+            </a:extLst>
+          </p:cNvPr>
+          <p:cNvCxnSpPr>
+            <a:cxnSpLocks/>
+          </p:cNvCxnSpPr>
+          <p:nvPr/>
+        </p:nvCxnSpPr>
+        <p:spPr>
+          <a:xfrm flipV="1">
+            <a:off x="6335381" y="3639110"/>
+            <a:ext cx="0" cy="253911"/>
+          </a:xfrm>
+          <a:prstGeom prst="straightConnector1">
+            <a:avLst/>
+          </a:prstGeom>
+          <a:ln w="28575">
+            <a:solidFill>
+              <a:schemeClr val="tx1">
+                <a:lumMod val="50000"/>
+                <a:lumOff val="50000"/>
+              </a:schemeClr>
+            </a:solidFill>
+            <a:tailEnd type="triangle"/>
+          </a:ln>
+        </p:spPr>
+        <p:style>
+          <a:lnRef idx="1">
+            <a:schemeClr val="accent1"/>
+          </a:lnRef>
+          <a:fillRef idx="0">
+            <a:schemeClr val="accent1"/>
+          </a:fillRef>
+          <a:effectRef idx="0">
+            <a:schemeClr val="accent1"/>
+          </a:effectRef>
+          <a:fontRef idx="minor">
+            <a:schemeClr val="tx1"/>
+          </a:fontRef>
+        </p:style>
+      </p:cxnSp>
+      <p:cxnSp>
+        <p:nvCxnSpPr>
+          <p:cNvPr id="38" name="Straight Arrow Connector 37">
+            <a:extLst>
+              <a:ext uri="{FF2B5EF4-FFF2-40B4-BE49-F238E27FC236}">
+                <a16:creationId xmlns:a16="http://schemas.microsoft.com/office/drawing/2014/main" id="{8A818BE7-7024-7CA8-02DD-7945875DE4BE}"/>
+              </a:ext>
+            </a:extLst>
+          </p:cNvPr>
+          <p:cNvCxnSpPr>
+            <a:cxnSpLocks/>
+          </p:cNvCxnSpPr>
+          <p:nvPr/>
+        </p:nvCxnSpPr>
+        <p:spPr>
+          <a:xfrm>
+            <a:off x="6449681" y="3766065"/>
+            <a:ext cx="0" cy="217657"/>
+          </a:xfrm>
+          <a:prstGeom prst="straightConnector1">
+            <a:avLst/>
+          </a:prstGeom>
+          <a:ln w="28575">
+            <a:solidFill>
+              <a:schemeClr val="tx1">
+                <a:lumMod val="50000"/>
+                <a:lumOff val="50000"/>
+              </a:schemeClr>
+            </a:solidFill>
+            <a:tailEnd type="triangle"/>
+          </a:ln>
+        </p:spPr>
+        <p:style>
+          <a:lnRef idx="1">
+            <a:schemeClr val="accent1"/>
+          </a:lnRef>
+          <a:fillRef idx="0">
+            <a:schemeClr val="accent1"/>
+          </a:fillRef>
+          <a:effectRef idx="0">
+            <a:schemeClr val="accent1"/>
+          </a:effectRef>
+          <a:fontRef idx="minor">
+            <a:schemeClr val="tx1"/>
+          </a:fontRef>
+        </p:style>
+      </p:cxnSp>
+      <p:pic>
+        <p:nvPicPr>
+          <p:cNvPr id="20" name="Graphic 19" descr="Wind Turbines with solid fill">
+            <a:extLst>
+              <a:ext uri="{FF2B5EF4-FFF2-40B4-BE49-F238E27FC236}">
+                <a16:creationId xmlns:a16="http://schemas.microsoft.com/office/drawing/2014/main" id="{30146D25-5F56-2677-D402-4349C741526D}"/>
+              </a:ext>
+            </a:extLst>
+          </p:cNvPr>
+          <p:cNvPicPr>
+            <a:picLocks noChangeAspect="1"/>
+          </p:cNvPicPr>
+          <p:nvPr/>
+        </p:nvPicPr>
+        <p:blipFill>
+          <a:blip r:embed="rId11">
+            <a:extLst>
+              <a:ext uri="{96DAC541-7B7A-43D3-8B79-37D633B846F1}">
+                <asvg:svgBlip xmlns:asvg="http://schemas.microsoft.com/office/drawing/2016/SVG/main" r:embed="rId12"/>
+              </a:ext>
+            </a:extLst>
+          </a:blip>
+          <a:stretch>
+            <a:fillRect/>
+          </a:stretch>
+        </p:blipFill>
+        <p:spPr>
+          <a:xfrm>
+            <a:off x="911234" y="1837526"/>
+            <a:ext cx="210927" cy="210927"/>
+          </a:xfrm>
+          <a:prstGeom prst="rect">
+            <a:avLst/>
+          </a:prstGeom>
+        </p:spPr>
+      </p:pic>
+      <p:sp>
+        <p:nvSpPr>
+          <p:cNvPr id="22" name="TextBox 21">
+            <a:extLst>
+              <a:ext uri="{FF2B5EF4-FFF2-40B4-BE49-F238E27FC236}">
+                <a16:creationId xmlns:a16="http://schemas.microsoft.com/office/drawing/2014/main" id="{B02645C3-208B-AED6-C418-18730B522D9B}"/>
+              </a:ext>
+            </a:extLst>
+          </p:cNvPr>
+          <p:cNvSpPr txBox="1"/>
+          <p:nvPr/>
+        </p:nvSpPr>
+        <p:spPr>
+          <a:xfrm>
+            <a:off x="840199" y="2017401"/>
+            <a:ext cx="963725" cy="261610"/>
+          </a:xfrm>
+          <a:prstGeom prst="rect">
+            <a:avLst/>
+          </a:prstGeom>
+          <a:noFill/>
+        </p:spPr>
+        <p:txBody>
+          <a:bodyPr wrap="none" rtlCol="0">
+            <a:spAutoFit/>
+          </a:bodyPr>
+          <a:lstStyle/>
+          <a:p>
+            <a:r>
+              <a:rPr lang="en-US" sz="1100" dirty="0">
+                <a:solidFill>
+                  <a:srgbClr val="D1003C">
+                    <a:alpha val="75012"/>
+                  </a:srgbClr>
+                </a:solidFill>
+              </a:rPr>
+              <a:t>High risk </a:t>
+            </a:r>
+            <a:r>
+              <a:rPr lang="en-US" sz="1100" dirty="0">
+                <a:solidFill>
+                  <a:srgbClr val="D1003C">
+                    <a:alpha val="70000"/>
+                  </a:srgbClr>
+                </a:solidFill>
+              </a:rPr>
+              <a:t>area</a:t>
+            </a:r>
+          </a:p>
+        </p:txBody>
+      </p:sp>
+      <p:sp>
+        <p:nvSpPr>
+          <p:cNvPr id="2" name="TextBox 1">
+            <a:extLst>
+              <a:ext uri="{FF2B5EF4-FFF2-40B4-BE49-F238E27FC236}">
+                <a16:creationId xmlns:a16="http://schemas.microsoft.com/office/drawing/2014/main" id="{93FCBB97-AE7B-B6E5-9F00-749F4EE29472}"/>
+              </a:ext>
+            </a:extLst>
+          </p:cNvPr>
+          <p:cNvSpPr txBox="1"/>
+          <p:nvPr/>
+        </p:nvSpPr>
+        <p:spPr>
+          <a:xfrm>
+            <a:off x="6315011" y="2017401"/>
+            <a:ext cx="963725" cy="261610"/>
+          </a:xfrm>
+          <a:prstGeom prst="rect">
+            <a:avLst/>
+          </a:prstGeom>
+          <a:noFill/>
+        </p:spPr>
+        <p:txBody>
+          <a:bodyPr wrap="none" rtlCol="0">
+            <a:spAutoFit/>
+          </a:bodyPr>
+          <a:lstStyle/>
+          <a:p>
+            <a:r>
+              <a:rPr lang="en-US" sz="1100" dirty="0">
+                <a:solidFill>
+                  <a:srgbClr val="D1003C">
+                    <a:alpha val="75012"/>
+                  </a:srgbClr>
+                </a:solidFill>
+              </a:rPr>
+              <a:t>High risk </a:t>
+            </a:r>
+            <a:r>
+              <a:rPr lang="en-US" sz="1100" dirty="0">
+                <a:solidFill>
+                  <a:srgbClr val="D1003C">
+                    <a:alpha val="70000"/>
+                  </a:srgbClr>
+                </a:solidFill>
+              </a:rPr>
+              <a:t>area</a:t>
             </a:r>
           </a:p>
         </p:txBody>
